--- a/T-Hub.pptx
+++ b/T-Hub.pptx
@@ -13,16 +13,17 @@
     <p:sldId id="258" r:id="rId8"/>
     <p:sldId id="259" r:id="rId9"/>
     <p:sldId id="260" r:id="rId10"/>
+    <p:sldId id="261" r:id="rId11"/>
   </p:sldIdLst>
   <p:sldSz cy="5143500" cx="9144000"/>
   <p:notesSz cx="6858000" cy="9144000"/>
   <p:embeddedFontLst>
     <p:embeddedFont>
       <p:font typeface="Helvetica Neue"/>
-      <p:regular r:id="rId11"/>
-      <p:bold r:id="rId12"/>
-      <p:italic r:id="rId13"/>
-      <p:boldItalic r:id="rId14"/>
+      <p:regular r:id="rId12"/>
+      <p:bold r:id="rId13"/>
+      <p:italic r:id="rId14"/>
+      <p:boldItalic r:id="rId15"/>
     </p:embeddedFont>
   </p:embeddedFontLst>
   <p:defaultTextStyle>
@@ -1015,7 +1016,7 @@
       </p:grpSpPr>
       <p:sp>
         <p:nvSpPr>
-          <p:cNvPr id="73" name="Google Shape;73;g6b902900be_0_13:notes"/>
+          <p:cNvPr id="73" name="Google Shape;73;g6b90b036eb_0_0:notes"/>
           <p:cNvSpPr/>
           <p:nvPr>
             <p:ph idx="2" type="sldImg"/>
@@ -1050,7 +1051,7 @@
       </p:sp>
       <p:sp>
         <p:nvSpPr>
-          <p:cNvPr id="74" name="Google Shape;74;g6b902900be_0_13:notes"/>
+          <p:cNvPr id="74" name="Google Shape;74;g6b90b036eb_0_0:notes"/>
           <p:cNvSpPr txBox="1"/>
           <p:nvPr>
             <p:ph idx="1" type="body"/>
@@ -1100,7 +1101,7 @@
   <p:cSld>
     <p:spTree>
       <p:nvGrpSpPr>
-        <p:cNvPr id="81" name="Shape 81"/>
+        <p:cNvPr id="82" name="Shape 82"/>
         <p:cNvGrpSpPr/>
         <p:nvPr/>
       </p:nvGrpSpPr>
@@ -1114,7 +1115,7 @@
       </p:grpSpPr>
       <p:sp>
         <p:nvSpPr>
-          <p:cNvPr id="82" name="Google Shape;82;g6b902900be_1_7:notes"/>
+          <p:cNvPr id="83" name="Google Shape;83;g6b902900be_0_13:notes"/>
           <p:cNvSpPr/>
           <p:nvPr>
             <p:ph idx="2" type="sldImg"/>
@@ -1149,7 +1150,106 @@
       </p:sp>
       <p:sp>
         <p:nvSpPr>
-          <p:cNvPr id="83" name="Google Shape;83;g6b902900be_1_7:notes"/>
+          <p:cNvPr id="84" name="Google Shape;84;g6b902900be_0_13:notes"/>
+          <p:cNvSpPr txBox="1"/>
+          <p:nvPr>
+            <p:ph idx="1" type="body"/>
+          </p:nvPr>
+        </p:nvSpPr>
+        <p:spPr>
+          <a:xfrm>
+            <a:off x="685800" y="4343400"/>
+            <a:ext cx="5486400" cy="4114800"/>
+          </a:xfrm>
+          <a:prstGeom prst="rect">
+            <a:avLst/>
+          </a:prstGeom>
+        </p:spPr>
+        <p:txBody>
+          <a:bodyPr anchorCtr="0" anchor="t" bIns="91425" lIns="91425" spcFirstLastPara="1" rIns="91425" wrap="square" tIns="91425">
+            <a:noAutofit/>
+          </a:bodyPr>
+          <a:lstStyle/>
+          <a:p>
+            <a:pPr indent="0" lvl="0" marL="0" rtl="0" algn="l">
+              <a:spcBef>
+                <a:spcPts val="0"/>
+              </a:spcBef>
+              <a:spcAft>
+                <a:spcPts val="0"/>
+              </a:spcAft>
+              <a:buNone/>
+            </a:pPr>
+            <a:r>
+              <a:t/>
+            </a:r>
+            <a:endParaRPr/>
+          </a:p>
+        </p:txBody>
+      </p:sp>
+    </p:spTree>
+  </p:cSld>
+  <p:clrMapOvr>
+    <a:masterClrMapping/>
+  </p:clrMapOvr>
+</p:notes>
+</file>
+
+<file path=ppt/notesSlides/notesSlide6.xml><?xml version="1.0" encoding="utf-8"?>
+<p:notes xmlns:a="http://schemas.openxmlformats.org/drawingml/2006/main" xmlns:r="http://schemas.openxmlformats.org/officeDocument/2006/relationships" xmlns:mc="http://schemas.openxmlformats.org/markup-compatibility/2006" xmlns:mv="urn:schemas-microsoft-com:mac:vml" xmlns:p="http://schemas.openxmlformats.org/presentationml/2006/main" xmlns:c="http://schemas.openxmlformats.org/drawingml/2006/chart" xmlns:dgm="http://schemas.openxmlformats.org/drawingml/2006/diagram" xmlns:o="urn:schemas-microsoft-com:office:office" xmlns:v="urn:schemas-microsoft-com:vml" xmlns:pvml="urn:schemas-microsoft-com:office:powerpoint" xmlns:com="http://schemas.openxmlformats.org/drawingml/2006/compatibility" xmlns:p14="http://schemas.microsoft.com/office/powerpoint/2010/main" xmlns:p15="http://schemas.microsoft.com/office/powerpoint/2012/main" showMasterPhAnim="0" showMasterSp="0">
+  <p:cSld>
+    <p:spTree>
+      <p:nvGrpSpPr>
+        <p:cNvPr id="91" name="Shape 91"/>
+        <p:cNvGrpSpPr/>
+        <p:nvPr/>
+      </p:nvGrpSpPr>
+      <p:grpSpPr>
+        <a:xfrm>
+          <a:off x="0" y="0"/>
+          <a:ext cx="0" cy="0"/>
+          <a:chOff x="0" y="0"/>
+          <a:chExt cx="0" cy="0"/>
+        </a:xfrm>
+      </p:grpSpPr>
+      <p:sp>
+        <p:nvSpPr>
+          <p:cNvPr id="92" name="Google Shape;92;g6b902900be_1_7:notes"/>
+          <p:cNvSpPr/>
+          <p:nvPr>
+            <p:ph idx="2" type="sldImg"/>
+          </p:nvPr>
+        </p:nvSpPr>
+        <p:spPr>
+          <a:xfrm>
+            <a:off x="381300" y="685800"/>
+            <a:ext cx="6096000" cy="3429000"/>
+          </a:xfrm>
+          <a:custGeom>
+            <a:rect b="b" l="l" r="r" t="t"/>
+            <a:pathLst>
+              <a:path extrusionOk="0" h="120000" w="120000">
+                <a:moveTo>
+                  <a:pt x="0" y="0"/>
+                </a:moveTo>
+                <a:lnTo>
+                  <a:pt x="120000" y="0"/>
+                </a:lnTo>
+                <a:lnTo>
+                  <a:pt x="120000" y="120000"/>
+                </a:lnTo>
+                <a:lnTo>
+                  <a:pt x="0" y="120000"/>
+                </a:lnTo>
+                <a:close/>
+              </a:path>
+            </a:pathLst>
+          </a:custGeom>
+        </p:spPr>
+      </p:sp>
+      <p:sp>
+        <p:nvSpPr>
+          <p:cNvPr id="93" name="Google Shape;93;g6b902900be_1_7:notes"/>
           <p:cNvSpPr txBox="1"/>
           <p:nvPr>
             <p:ph idx="1" type="body"/>
@@ -6078,7 +6178,7 @@
                   <a:srgbClr val="FFFFFF"/>
                 </a:solidFill>
               </a:rPr>
-              <a:t>Antonio José</a:t>
+              <a:t>Antonio José Fernández</a:t>
             </a:r>
             <a:endParaRPr sz="2400">
               <a:solidFill>
@@ -6264,8 +6364,14 @@
             <a:avLst/>
           </a:prstGeom>
           <a:noFill/>
-          <a:ln>
-            <a:noFill/>
+          <a:ln cap="flat" cmpd="sng" w="28575">
+            <a:solidFill>
+              <a:srgbClr val="FFFFFF"/>
+            </a:solidFill>
+            <a:prstDash val="solid"/>
+            <a:round/>
+            <a:headEnd len="sm" w="sm" type="none"/>
+            <a:tailEnd len="sm" w="sm" type="none"/>
           </a:ln>
         </p:spPr>
       </p:pic>
@@ -6292,8 +6398,14 @@
             <a:avLst/>
           </a:prstGeom>
           <a:noFill/>
-          <a:ln>
-            <a:noFill/>
+          <a:ln cap="flat" cmpd="sng" w="28575">
+            <a:solidFill>
+              <a:srgbClr val="FFFFFF"/>
+            </a:solidFill>
+            <a:prstDash val="solid"/>
+            <a:round/>
+            <a:headEnd len="sm" w="sm" type="none"/>
+            <a:tailEnd len="sm" w="sm" type="none"/>
           </a:ln>
         </p:spPr>
       </p:pic>
@@ -6477,9 +6589,420 @@
           <a:chExt cx="0" cy="0"/>
         </a:xfrm>
       </p:grpSpPr>
+      <p:sp>
+        <p:nvSpPr>
+          <p:cNvPr id="76" name="Google Shape;76;p16"/>
+          <p:cNvSpPr txBox="1"/>
+          <p:nvPr>
+            <p:ph type="title"/>
+          </p:nvPr>
+        </p:nvSpPr>
+        <p:spPr>
+          <a:xfrm>
+            <a:off x="311700" y="445025"/>
+            <a:ext cx="8520600" cy="572700"/>
+          </a:xfrm>
+          <a:prstGeom prst="rect">
+            <a:avLst/>
+          </a:prstGeom>
+        </p:spPr>
+        <p:txBody>
+          <a:bodyPr anchorCtr="0" anchor="t" bIns="91425" lIns="91425" spcFirstLastPara="1" rIns="91425" wrap="square" tIns="91425">
+            <a:noAutofit/>
+          </a:bodyPr>
+          <a:lstStyle/>
+          <a:p>
+            <a:pPr indent="0" lvl="0" marL="0" rtl="0" algn="l">
+              <a:spcBef>
+                <a:spcPts val="0"/>
+              </a:spcBef>
+              <a:spcAft>
+                <a:spcPts val="0"/>
+              </a:spcAft>
+              <a:buNone/>
+            </a:pPr>
+            <a:r>
+              <a:t/>
+            </a:r>
+            <a:endParaRPr/>
+          </a:p>
+        </p:txBody>
+      </p:sp>
+      <p:sp>
+        <p:nvSpPr>
+          <p:cNvPr id="77" name="Google Shape;77;p16"/>
+          <p:cNvSpPr txBox="1"/>
+          <p:nvPr>
+            <p:ph idx="1" type="body"/>
+          </p:nvPr>
+        </p:nvSpPr>
+        <p:spPr>
+          <a:xfrm>
+            <a:off x="311700" y="1152475"/>
+            <a:ext cx="8520600" cy="3416400"/>
+          </a:xfrm>
+          <a:prstGeom prst="rect">
+            <a:avLst/>
+          </a:prstGeom>
+        </p:spPr>
+        <p:txBody>
+          <a:bodyPr anchorCtr="0" anchor="t" bIns="91425" lIns="91425" spcFirstLastPara="1" rIns="91425" wrap="square" tIns="91425">
+            <a:noAutofit/>
+          </a:bodyPr>
+          <a:lstStyle/>
+          <a:p>
+            <a:pPr indent="0" lvl="0" marL="0" rtl="0" algn="l">
+              <a:spcBef>
+                <a:spcPts val="0"/>
+              </a:spcBef>
+              <a:spcAft>
+                <a:spcPts val="1600"/>
+              </a:spcAft>
+              <a:buNone/>
+            </a:pPr>
+            <a:r>
+              <a:t/>
+            </a:r>
+            <a:endParaRPr/>
+          </a:p>
+        </p:txBody>
+      </p:sp>
       <p:pic>
         <p:nvPicPr>
-          <p:cNvPr id="76" name="Google Shape;76;p16"/>
+          <p:cNvPr id="78" name="Google Shape;78;p16"/>
+          <p:cNvPicPr preferRelativeResize="0"/>
+          <p:nvPr/>
+        </p:nvPicPr>
+        <p:blipFill>
+          <a:blip r:embed="rId3">
+            <a:alphaModFix/>
+          </a:blip>
+          <a:stretch>
+            <a:fillRect/>
+          </a:stretch>
+        </p:blipFill>
+        <p:spPr>
+          <a:xfrm>
+            <a:off x="-2" y="-1321225"/>
+            <a:ext cx="9144004" cy="6464727"/>
+          </a:xfrm>
+          <a:prstGeom prst="rect">
+            <a:avLst/>
+          </a:prstGeom>
+          <a:noFill/>
+          <a:ln>
+            <a:noFill/>
+          </a:ln>
+        </p:spPr>
+      </p:pic>
+      <p:pic>
+        <p:nvPicPr>
+          <p:cNvPr id="79" name="Google Shape;79;p16"/>
+          <p:cNvPicPr preferRelativeResize="0"/>
+          <p:nvPr/>
+        </p:nvPicPr>
+        <p:blipFill>
+          <a:blip r:embed="rId4">
+            <a:alphaModFix/>
+          </a:blip>
+          <a:stretch>
+            <a:fillRect/>
+          </a:stretch>
+        </p:blipFill>
+        <p:spPr>
+          <a:xfrm>
+            <a:off x="734900" y="262575"/>
+            <a:ext cx="2309173" cy="4618346"/>
+          </a:xfrm>
+          <a:prstGeom prst="rect">
+            <a:avLst/>
+          </a:prstGeom>
+          <a:noFill/>
+          <a:ln cap="flat" cmpd="sng" w="28575">
+            <a:solidFill>
+              <a:srgbClr val="FFFFFF"/>
+            </a:solidFill>
+            <a:prstDash val="solid"/>
+            <a:round/>
+            <a:headEnd len="sm" w="sm" type="none"/>
+            <a:tailEnd len="sm" w="sm" type="none"/>
+          </a:ln>
+        </p:spPr>
+      </p:pic>
+      <p:pic>
+        <p:nvPicPr>
+          <p:cNvPr id="80" name="Google Shape;80;p16"/>
+          <p:cNvPicPr preferRelativeResize="0"/>
+          <p:nvPr/>
+        </p:nvPicPr>
+        <p:blipFill>
+          <a:blip r:embed="rId5">
+            <a:alphaModFix/>
+          </a:blip>
+          <a:stretch>
+            <a:fillRect/>
+          </a:stretch>
+        </p:blipFill>
+        <p:spPr>
+          <a:xfrm>
+            <a:off x="2618124" y="262575"/>
+            <a:ext cx="2548195" cy="4618348"/>
+          </a:xfrm>
+          <a:prstGeom prst="rect">
+            <a:avLst/>
+          </a:prstGeom>
+          <a:noFill/>
+          <a:ln cap="flat" cmpd="sng" w="28575">
+            <a:solidFill>
+              <a:srgbClr val="FFFFFF"/>
+            </a:solidFill>
+            <a:prstDash val="solid"/>
+            <a:round/>
+            <a:headEnd len="sm" w="sm" type="none"/>
+            <a:tailEnd len="sm" w="sm" type="none"/>
+          </a:ln>
+        </p:spPr>
+      </p:pic>
+      <p:pic>
+        <p:nvPicPr>
+          <p:cNvPr id="81" name="Google Shape;81;p16"/>
+          <p:cNvPicPr preferRelativeResize="0"/>
+          <p:nvPr/>
+        </p:nvPicPr>
+        <p:blipFill>
+          <a:blip r:embed="rId6">
+            <a:alphaModFix/>
+          </a:blip>
+          <a:stretch>
+            <a:fillRect/>
+          </a:stretch>
+        </p:blipFill>
+        <p:spPr>
+          <a:xfrm>
+            <a:off x="4572000" y="262575"/>
+            <a:ext cx="2309173" cy="4618346"/>
+          </a:xfrm>
+          <a:prstGeom prst="rect">
+            <a:avLst/>
+          </a:prstGeom>
+          <a:noFill/>
+          <a:ln cap="flat" cmpd="sng" w="28575">
+            <a:solidFill>
+              <a:srgbClr val="FFFFFF"/>
+            </a:solidFill>
+            <a:prstDash val="solid"/>
+            <a:round/>
+            <a:headEnd len="sm" w="sm" type="none"/>
+            <a:tailEnd len="sm" w="sm" type="none"/>
+          </a:ln>
+        </p:spPr>
+      </p:pic>
+    </p:spTree>
+  </p:cSld>
+  <p:clrMapOvr>
+    <a:masterClrMapping/>
+  </p:clrMapOvr>
+  <mc:AlternateContent>
+    <mc:Choice Requires="p14">
+      <p:transition spd="slow" p14:dur="1000">
+        <p:push dir="r"/>
+      </p:transition>
+    </mc:Choice>
+    <mc:Fallback>
+      <p:transition spd="slow">
+        <p:fade/>
+      </p:transition>
+    </mc:Fallback>
+  </mc:AlternateContent>
+  <p:timing>
+    <p:tnLst>
+      <p:par>
+        <p:cTn dur="indefinite" nodeType="tmRoot" restart="never">
+          <p:childTnLst>
+            <p:seq concurrent="1" nextAc="seek">
+              <p:cTn dur="indefinite" id="2" nodeType="mainSeq">
+                <p:childTnLst>
+                  <p:par>
+                    <p:cTn fill="hold">
+                      <p:stCondLst>
+                        <p:cond delay="indefinite"/>
+                      </p:stCondLst>
+                      <p:childTnLst>
+                        <p:par>
+                          <p:cTn fill="hold">
+                            <p:stCondLst>
+                              <p:cond delay="0"/>
+                            </p:stCondLst>
+                            <p:childTnLst>
+                              <p:par>
+                                <p:cTn fill="hold" nodeType="clickEffect" presetClass="entr" presetID="2" presetSubtype="8">
+                                  <p:stCondLst>
+                                    <p:cond delay="0"/>
+                                  </p:stCondLst>
+                                  <p:childTnLst>
+                                    <p:set>
+                                      <p:cBhvr>
+                                        <p:cTn dur="1" fill="hold">
+                                          <p:stCondLst>
+                                            <p:cond delay="0"/>
+                                          </p:stCondLst>
+                                        </p:cTn>
+                                        <p:tgtEl>
+                                          <p:spTgt spid="80"/>
+                                        </p:tgtEl>
+                                        <p:attrNameLst>
+                                          <p:attrName>style.visibility</p:attrName>
+                                        </p:attrNameLst>
+                                      </p:cBhvr>
+                                      <p:to>
+                                        <p:strVal val="visible"/>
+                                      </p:to>
+                                    </p:set>
+                                    <p:anim calcmode="lin" valueType="num">
+                                      <p:cBhvr additive="base">
+                                        <p:cTn dur="1000"/>
+                                        <p:tgtEl>
+                                          <p:spTgt spid="80"/>
+                                        </p:tgtEl>
+                                        <p:attrNameLst>
+                                          <p:attrName>ppt_x</p:attrName>
+                                        </p:attrNameLst>
+                                      </p:cBhvr>
+                                      <p:tavLst>
+                                        <p:tav fmla="" tm="0">
+                                          <p:val>
+                                            <p:strVal val="#ppt_x-1"/>
+                                          </p:val>
+                                        </p:tav>
+                                        <p:tav fmla="" tm="100000">
+                                          <p:val>
+                                            <p:strVal val="#ppt_x"/>
+                                          </p:val>
+                                        </p:tav>
+                                      </p:tavLst>
+                                    </p:anim>
+                                  </p:childTnLst>
+                                </p:cTn>
+                              </p:par>
+                            </p:childTnLst>
+                          </p:cTn>
+                        </p:par>
+                      </p:childTnLst>
+                    </p:cTn>
+                  </p:par>
+                  <p:par>
+                    <p:cTn fill="hold">
+                      <p:stCondLst>
+                        <p:cond delay="indefinite"/>
+                      </p:stCondLst>
+                      <p:childTnLst>
+                        <p:par>
+                          <p:cTn fill="hold">
+                            <p:stCondLst>
+                              <p:cond delay="0"/>
+                            </p:stCondLst>
+                            <p:childTnLst>
+                              <p:par>
+                                <p:cTn fill="hold" nodeType="clickEffect" presetClass="entr" presetID="2" presetSubtype="8">
+                                  <p:stCondLst>
+                                    <p:cond delay="0"/>
+                                  </p:stCondLst>
+                                  <p:childTnLst>
+                                    <p:set>
+                                      <p:cBhvr>
+                                        <p:cTn dur="1" fill="hold">
+                                          <p:stCondLst>
+                                            <p:cond delay="0"/>
+                                          </p:stCondLst>
+                                        </p:cTn>
+                                        <p:tgtEl>
+                                          <p:spTgt spid="81"/>
+                                        </p:tgtEl>
+                                        <p:attrNameLst>
+                                          <p:attrName>style.visibility</p:attrName>
+                                        </p:attrNameLst>
+                                      </p:cBhvr>
+                                      <p:to>
+                                        <p:strVal val="visible"/>
+                                      </p:to>
+                                    </p:set>
+                                    <p:anim calcmode="lin" valueType="num">
+                                      <p:cBhvr additive="base">
+                                        <p:cTn dur="1000"/>
+                                        <p:tgtEl>
+                                          <p:spTgt spid="81"/>
+                                        </p:tgtEl>
+                                        <p:attrNameLst>
+                                          <p:attrName>ppt_x</p:attrName>
+                                        </p:attrNameLst>
+                                      </p:cBhvr>
+                                      <p:tavLst>
+                                        <p:tav fmla="" tm="0">
+                                          <p:val>
+                                            <p:strVal val="#ppt_x-1"/>
+                                          </p:val>
+                                        </p:tav>
+                                        <p:tav fmla="" tm="100000">
+                                          <p:val>
+                                            <p:strVal val="#ppt_x"/>
+                                          </p:val>
+                                        </p:tav>
+                                      </p:tavLst>
+                                    </p:anim>
+                                  </p:childTnLst>
+                                </p:cTn>
+                              </p:par>
+                            </p:childTnLst>
+                          </p:cTn>
+                        </p:par>
+                      </p:childTnLst>
+                    </p:cTn>
+                  </p:par>
+                </p:childTnLst>
+              </p:cTn>
+              <p:prevCondLst>
+                <p:cond evt="onPrev">
+                  <p:tgtEl>
+                    <p:sldTgt/>
+                  </p:tgtEl>
+                </p:cond>
+              </p:prevCondLst>
+              <p:nextCondLst>
+                <p:cond evt="onNext">
+                  <p:tgtEl>
+                    <p:sldTgt/>
+                  </p:tgtEl>
+                </p:cond>
+              </p:nextCondLst>
+            </p:seq>
+          </p:childTnLst>
+        </p:cTn>
+      </p:par>
+    </p:tnLst>
+  </p:timing>
+</p:sld>
+</file>
+
+<file path=ppt/slides/slide5.xml><?xml version="1.0" encoding="utf-8"?>
+<p:sld xmlns:a="http://schemas.openxmlformats.org/drawingml/2006/main" xmlns:r="http://schemas.openxmlformats.org/officeDocument/2006/relationships" xmlns:mc="http://schemas.openxmlformats.org/markup-compatibility/2006" xmlns:mv="urn:schemas-microsoft-com:mac:vml" xmlns:p="http://schemas.openxmlformats.org/presentationml/2006/main" xmlns:c="http://schemas.openxmlformats.org/drawingml/2006/chart" xmlns:dgm="http://schemas.openxmlformats.org/drawingml/2006/diagram" xmlns:o="urn:schemas-microsoft-com:office:office" xmlns:v="urn:schemas-microsoft-com:vml" xmlns:pvml="urn:schemas-microsoft-com:office:powerpoint" xmlns:com="http://schemas.openxmlformats.org/drawingml/2006/compatibility" xmlns:p14="http://schemas.microsoft.com/office/powerpoint/2010/main" xmlns:p15="http://schemas.microsoft.com/office/powerpoint/2012/main">
+  <p:cSld>
+    <p:spTree>
+      <p:nvGrpSpPr>
+        <p:cNvPr id="85" name="Shape 85"/>
+        <p:cNvGrpSpPr/>
+        <p:nvPr/>
+      </p:nvGrpSpPr>
+      <p:grpSpPr>
+        <a:xfrm>
+          <a:off x="0" y="0"/>
+          <a:ext cx="0" cy="0"/>
+          <a:chOff x="0" y="0"/>
+          <a:chExt cx="0" cy="0"/>
+        </a:xfrm>
+      </p:grpSpPr>
+      <p:pic>
+        <p:nvPicPr>
+          <p:cNvPr id="86" name="Google Shape;86;p17"/>
           <p:cNvPicPr preferRelativeResize="0"/>
           <p:nvPr/>
         </p:nvPicPr>
@@ -6507,7 +7030,7 @@
       </p:pic>
       <p:sp>
         <p:nvSpPr>
-          <p:cNvPr id="77" name="Google Shape;77;p16"/>
+          <p:cNvPr id="87" name="Google Shape;87;p17"/>
           <p:cNvSpPr txBox="1"/>
           <p:nvPr>
             <p:ph type="title"/>
@@ -6515,8 +7038,8 @@
         </p:nvSpPr>
         <p:spPr>
           <a:xfrm>
-            <a:off x="311700" y="445025"/>
-            <a:ext cx="8520600" cy="572700"/>
+            <a:off x="908825" y="467900"/>
+            <a:ext cx="3186000" cy="1091100"/>
           </a:xfrm>
           <a:prstGeom prst="rect">
             <a:avLst/>
@@ -6538,14 +7061,14 @@
               <a:buNone/>
             </a:pPr>
             <a:r>
-              <a:rPr lang="es" sz="3000">
+              <a:rPr lang="es" sz="4800">
                 <a:solidFill>
                   <a:srgbClr val="FFFFFF"/>
                 </a:solidFill>
               </a:rPr>
               <a:t>Business</a:t>
             </a:r>
-            <a:endParaRPr sz="3000">
+            <a:endParaRPr sz="4800">
               <a:solidFill>
                 <a:srgbClr val="FFFFFF"/>
               </a:solidFill>
@@ -6555,7 +7078,7 @@
       </p:sp>
       <p:sp>
         <p:nvSpPr>
-          <p:cNvPr id="78" name="Google Shape;78;p16"/>
+          <p:cNvPr id="88" name="Google Shape;88;p17"/>
           <p:cNvSpPr txBox="1"/>
           <p:nvPr>
             <p:ph idx="1" type="body"/>
@@ -6594,7 +7117,7 @@
       </p:sp>
       <p:pic>
         <p:nvPicPr>
-          <p:cNvPr id="79" name="Google Shape;79;p16"/>
+          <p:cNvPr id="89" name="Google Shape;89;p17"/>
           <p:cNvPicPr preferRelativeResize="0"/>
           <p:nvPr/>
         </p:nvPicPr>
@@ -6608,21 +7131,27 @@
         </p:blipFill>
         <p:spPr>
           <a:xfrm>
-            <a:off x="4672167" y="0"/>
-            <a:ext cx="4160133" cy="2340650"/>
+            <a:off x="4874825" y="148575"/>
+            <a:ext cx="3888901" cy="2188045"/>
           </a:xfrm>
           <a:prstGeom prst="rect">
             <a:avLst/>
           </a:prstGeom>
           <a:noFill/>
-          <a:ln>
-            <a:noFill/>
+          <a:ln cap="flat" cmpd="sng" w="28575">
+            <a:solidFill>
+              <a:srgbClr val="FFFFFF"/>
+            </a:solidFill>
+            <a:prstDash val="solid"/>
+            <a:round/>
+            <a:headEnd len="sm" w="sm" type="none"/>
+            <a:tailEnd len="sm" w="sm" type="none"/>
           </a:ln>
         </p:spPr>
       </p:pic>
       <p:pic>
         <p:nvPicPr>
-          <p:cNvPr id="80" name="Google Shape;80;p16"/>
+          <p:cNvPr id="90" name="Google Shape;90;p17"/>
           <p:cNvPicPr preferRelativeResize="0"/>
           <p:nvPr/>
         </p:nvPicPr>
@@ -6636,15 +7165,21 @@
         </p:blipFill>
         <p:spPr>
           <a:xfrm>
-            <a:off x="380275" y="2446001"/>
-            <a:ext cx="4458374" cy="2507825"/>
+            <a:off x="557375" y="2571750"/>
+            <a:ext cx="3888899" cy="2187500"/>
           </a:xfrm>
           <a:prstGeom prst="rect">
             <a:avLst/>
           </a:prstGeom>
           <a:noFill/>
-          <a:ln>
-            <a:noFill/>
+          <a:ln cap="flat" cmpd="sng" w="28575">
+            <a:solidFill>
+              <a:srgbClr val="FFFFFF"/>
+            </a:solidFill>
+            <a:prstDash val="solid"/>
+            <a:round/>
+            <a:headEnd len="sm" w="sm" type="none"/>
+            <a:tailEnd len="sm" w="sm" type="none"/>
           </a:ln>
         </p:spPr>
       </p:pic>
@@ -6668,12 +7203,12 @@
 </p:sld>
 </file>
 
-<file path=ppt/slides/slide5.xml><?xml version="1.0" encoding="utf-8"?>
+<file path=ppt/slides/slide6.xml><?xml version="1.0" encoding="utf-8"?>
 <p:sld xmlns:a="http://schemas.openxmlformats.org/drawingml/2006/main" xmlns:r="http://schemas.openxmlformats.org/officeDocument/2006/relationships" xmlns:mc="http://schemas.openxmlformats.org/markup-compatibility/2006" xmlns:mv="urn:schemas-microsoft-com:mac:vml" xmlns:p="http://schemas.openxmlformats.org/presentationml/2006/main" xmlns:c="http://schemas.openxmlformats.org/drawingml/2006/chart" xmlns:dgm="http://schemas.openxmlformats.org/drawingml/2006/diagram" xmlns:o="urn:schemas-microsoft-com:office:office" xmlns:v="urn:schemas-microsoft-com:vml" xmlns:pvml="urn:schemas-microsoft-com:office:powerpoint" xmlns:com="http://schemas.openxmlformats.org/drawingml/2006/compatibility" xmlns:p14="http://schemas.microsoft.com/office/powerpoint/2010/main" xmlns:p15="http://schemas.microsoft.com/office/powerpoint/2012/main">
   <p:cSld>
     <p:spTree>
       <p:nvGrpSpPr>
-        <p:cNvPr id="84" name="Shape 84"/>
+        <p:cNvPr id="94" name="Shape 94"/>
         <p:cNvGrpSpPr/>
         <p:nvPr/>
       </p:nvGrpSpPr>
@@ -6687,7 +7222,7 @@
       </p:grpSpPr>
       <p:sp>
         <p:nvSpPr>
-          <p:cNvPr id="85" name="Google Shape;85;p17"/>
+          <p:cNvPr id="95" name="Google Shape;95;p18"/>
           <p:cNvSpPr txBox="1"/>
           <p:nvPr>
             <p:ph type="title"/>
@@ -6726,7 +7261,7 @@
       </p:sp>
       <p:sp>
         <p:nvSpPr>
-          <p:cNvPr id="86" name="Google Shape;86;p17"/>
+          <p:cNvPr id="96" name="Google Shape;96;p18"/>
           <p:cNvSpPr txBox="1"/>
           <p:nvPr>
             <p:ph idx="1" type="body"/>
@@ -6765,7 +7300,7 @@
       </p:sp>
       <p:pic>
         <p:nvPicPr>
-          <p:cNvPr id="87" name="Google Shape;87;p17"/>
+          <p:cNvPr id="97" name="Google Shape;97;p18"/>
           <p:cNvPicPr preferRelativeResize="0"/>
           <p:nvPr/>
         </p:nvPicPr>
@@ -6793,7 +7328,7 @@
       </p:pic>
       <p:sp>
         <p:nvSpPr>
-          <p:cNvPr id="88" name="Google Shape;88;p17"/>
+          <p:cNvPr id="98" name="Google Shape;98;p18"/>
           <p:cNvSpPr/>
           <p:nvPr/>
         </p:nvSpPr>
@@ -6842,7 +7377,7 @@
       </p:sp>
       <p:pic>
         <p:nvPicPr>
-          <p:cNvPr id="89" name="Google Shape;89;p17"/>
+          <p:cNvPr id="99" name="Google Shape;99;p18"/>
           <p:cNvPicPr preferRelativeResize="0"/>
           <p:nvPr/>
         </p:nvPicPr>
@@ -6868,15 +7403,364 @@
           </a:ln>
         </p:spPr>
       </p:pic>
+      <p:sp>
+        <p:nvSpPr>
+          <p:cNvPr id="100" name="Google Shape;100;p18"/>
+          <p:cNvSpPr txBox="1"/>
+          <p:nvPr/>
+        </p:nvSpPr>
+        <p:spPr>
+          <a:xfrm>
+            <a:off x="6297925" y="804675"/>
+            <a:ext cx="2534400" cy="857400"/>
+          </a:xfrm>
+          <a:prstGeom prst="rect">
+            <a:avLst/>
+          </a:prstGeom>
+          <a:noFill/>
+          <a:ln>
+            <a:noFill/>
+          </a:ln>
+        </p:spPr>
+        <p:txBody>
+          <a:bodyPr anchorCtr="0" anchor="t" bIns="91425" lIns="91425" spcFirstLastPara="1" rIns="91425" wrap="square" tIns="91425">
+            <a:noAutofit/>
+          </a:bodyPr>
+          <a:lstStyle/>
+          <a:p>
+            <a:pPr indent="0" lvl="0" marL="0" rtl="0" algn="l">
+              <a:spcBef>
+                <a:spcPts val="0"/>
+              </a:spcBef>
+              <a:spcAft>
+                <a:spcPts val="0"/>
+              </a:spcAft>
+              <a:buNone/>
+            </a:pPr>
+            <a:r>
+              <a:rPr lang="es" sz="4800">
+                <a:solidFill>
+                  <a:srgbClr val="FFFFFF"/>
+                </a:solidFill>
+                <a:latin typeface="Helvetica Neue"/>
+                <a:ea typeface="Helvetica Neue"/>
+                <a:cs typeface="Helvetica Neue"/>
+                <a:sym typeface="Helvetica Neue"/>
+              </a:rPr>
+              <a:t>Dudas</a:t>
+            </a:r>
+            <a:endParaRPr sz="4800">
+              <a:solidFill>
+                <a:srgbClr val="FFFFFF"/>
+              </a:solidFill>
+              <a:latin typeface="Helvetica Neue"/>
+              <a:ea typeface="Helvetica Neue"/>
+              <a:cs typeface="Helvetica Neue"/>
+              <a:sym typeface="Helvetica Neue"/>
+            </a:endParaRPr>
+          </a:p>
+        </p:txBody>
+      </p:sp>
     </p:spTree>
   </p:cSld>
   <p:clrMapOvr>
     <a:masterClrMapping/>
   </p:clrMapOvr>
+  <mc:AlternateContent>
+    <mc:Choice Requires="p14">
+      <p:transition spd="slow" p14:dur="1000">
+        <p:push dir="r"/>
+      </p:transition>
+    </mc:Choice>
+    <mc:Fallback>
+      <p:transition spd="slow">
+        <p:fade/>
+      </p:transition>
+    </mc:Fallback>
+  </mc:AlternateContent>
 </p:sld>
 </file>
 
 <file path=ppt/theme/theme1.xml><?xml version="1.0" encoding="utf-8"?>
+<a:theme xmlns:a="http://schemas.openxmlformats.org/drawingml/2006/main" xmlns:r="http://schemas.openxmlformats.org/officeDocument/2006/relationships" name="Simple Light">
+  <a:themeElements>
+    <a:clrScheme name="Simple Light">
+      <a:dk1>
+        <a:srgbClr val="000000"/>
+      </a:dk1>
+      <a:lt1>
+        <a:srgbClr val="FFFFFF"/>
+      </a:lt1>
+      <a:dk2>
+        <a:srgbClr val="595959"/>
+      </a:dk2>
+      <a:lt2>
+        <a:srgbClr val="EEEEEE"/>
+      </a:lt2>
+      <a:accent1>
+        <a:srgbClr val="FFAB40"/>
+      </a:accent1>
+      <a:accent2>
+        <a:srgbClr val="212121"/>
+      </a:accent2>
+      <a:accent3>
+        <a:srgbClr val="78909C"/>
+      </a:accent3>
+      <a:accent4>
+        <a:srgbClr val="FFAB40"/>
+      </a:accent4>
+      <a:accent5>
+        <a:srgbClr val="0097A7"/>
+      </a:accent5>
+      <a:accent6>
+        <a:srgbClr val="EEFF41"/>
+      </a:accent6>
+      <a:hlink>
+        <a:srgbClr val="0097A7"/>
+      </a:hlink>
+      <a:folHlink>
+        <a:srgbClr val="0097A7"/>
+      </a:folHlink>
+    </a:clrScheme>
+    <a:fontScheme name="Office">
+      <a:majorFont>
+        <a:latin typeface="Arial"/>
+        <a:ea typeface=""/>
+        <a:cs typeface=""/>
+        <a:font script="Jpan" typeface="ＭＳ Ｐゴシック"/>
+        <a:font script="Hang" typeface="맑은 고딕"/>
+        <a:font script="Hans" typeface="宋体"/>
+        <a:font script="Hant" typeface="新細明體"/>
+        <a:font script="Arab" typeface="Times New Roman"/>
+        <a:font script="Hebr" typeface="Times New Roman"/>
+        <a:font script="Thai" typeface="Angsana New"/>
+        <a:font script="Ethi" typeface="Nyala"/>
+        <a:font script="Beng" typeface="Vrinda"/>
+        <a:font script="Gujr" typeface="Shruti"/>
+        <a:font script="Khmr" typeface="MoolBoran"/>
+        <a:font script="Knda" typeface="Tunga"/>
+        <a:font script="Guru" typeface="Raavi"/>
+        <a:font script="Cans" typeface="Euphemia"/>
+        <a:font script="Cher" typeface="Plantagenet Cherokee"/>
+        <a:font script="Yiii" typeface="Microsoft Yi Baiti"/>
+        <a:font script="Tibt" typeface="Microsoft Himalaya"/>
+        <a:font script="Thaa" typeface="MV Boli"/>
+        <a:font script="Deva" typeface="Mangal"/>
+        <a:font script="Telu" typeface="Gautami"/>
+        <a:font script="Taml" typeface="Latha"/>
+        <a:font script="Syrc" typeface="Estrangelo Edessa"/>
+        <a:font script="Orya" typeface="Kalinga"/>
+        <a:font script="Mlym" typeface="Kartika"/>
+        <a:font script="Laoo" typeface="DokChampa"/>
+        <a:font script="Sinh" typeface="Iskoola Pota"/>
+        <a:font script="Mong" typeface="Mongolian Baiti"/>
+        <a:font script="Viet" typeface="Times New Roman"/>
+        <a:font script="Uigh" typeface="Microsoft Uighur"/>
+        <a:font script="Geor" typeface="Sylfaen"/>
+      </a:majorFont>
+      <a:minorFont>
+        <a:latin typeface="Arial"/>
+        <a:ea typeface=""/>
+        <a:cs typeface=""/>
+        <a:font script="Jpan" typeface="ＭＳ Ｐゴシック"/>
+        <a:font script="Hang" typeface="맑은 고딕"/>
+        <a:font script="Hans" typeface="宋体"/>
+        <a:font script="Hant" typeface="新細明體"/>
+        <a:font script="Arab" typeface="Arial"/>
+        <a:font script="Hebr" typeface="Arial"/>
+        <a:font script="Thai" typeface="Cordia New"/>
+        <a:font script="Ethi" typeface="Nyala"/>
+        <a:font script="Beng" typeface="Vrinda"/>
+        <a:font script="Gujr" typeface="Shruti"/>
+        <a:font script="Khmr" typeface="DaunPenh"/>
+        <a:font script="Knda" typeface="Tunga"/>
+        <a:font script="Guru" typeface="Raavi"/>
+        <a:font script="Cans" typeface="Euphemia"/>
+        <a:font script="Cher" typeface="Plantagenet Cherokee"/>
+        <a:font script="Yiii" typeface="Microsoft Yi Baiti"/>
+        <a:font script="Tibt" typeface="Microsoft Himalaya"/>
+        <a:font script="Thaa" typeface="MV Boli"/>
+        <a:font script="Deva" typeface="Mangal"/>
+        <a:font script="Telu" typeface="Gautami"/>
+        <a:font script="Taml" typeface="Latha"/>
+        <a:font script="Syrc" typeface="Estrangelo Edessa"/>
+        <a:font script="Orya" typeface="Kalinga"/>
+        <a:font script="Mlym" typeface="Kartika"/>
+        <a:font script="Laoo" typeface="DokChampa"/>
+        <a:font script="Sinh" typeface="Iskoola Pota"/>
+        <a:font script="Mong" typeface="Mongolian Baiti"/>
+        <a:font script="Viet" typeface="Arial"/>
+        <a:font script="Uigh" typeface="Microsoft Uighur"/>
+        <a:font script="Geor" typeface="Sylfaen"/>
+      </a:minorFont>
+    </a:fontScheme>
+    <a:fmtScheme name="Office">
+      <a:fillStyleLst>
+        <a:solidFill>
+          <a:schemeClr val="phClr"/>
+        </a:solidFill>
+        <a:gradFill rotWithShape="1">
+          <a:gsLst>
+            <a:gs pos="0">
+              <a:schemeClr val="phClr">
+                <a:tint val="50000"/>
+                <a:satMod val="300000"/>
+              </a:schemeClr>
+            </a:gs>
+            <a:gs pos="35000">
+              <a:schemeClr val="phClr">
+                <a:tint val="37000"/>
+                <a:satMod val="300000"/>
+              </a:schemeClr>
+            </a:gs>
+            <a:gs pos="100000">
+              <a:schemeClr val="phClr">
+                <a:tint val="15000"/>
+                <a:satMod val="350000"/>
+              </a:schemeClr>
+            </a:gs>
+          </a:gsLst>
+          <a:lin ang="16200000" scaled="1"/>
+        </a:gradFill>
+        <a:gradFill rotWithShape="1">
+          <a:gsLst>
+            <a:gs pos="0">
+              <a:schemeClr val="phClr">
+                <a:tint val="100000"/>
+                <a:shade val="100000"/>
+                <a:satMod val="130000"/>
+              </a:schemeClr>
+            </a:gs>
+            <a:gs pos="100000">
+              <a:schemeClr val="phClr">
+                <a:tint val="50000"/>
+                <a:shade val="100000"/>
+                <a:satMod val="350000"/>
+              </a:schemeClr>
+            </a:gs>
+          </a:gsLst>
+          <a:lin ang="16200000" scaled="0"/>
+        </a:gradFill>
+      </a:fillStyleLst>
+      <a:lnStyleLst>
+        <a:ln w="9525" cap="flat" cmpd="sng" algn="ctr">
+          <a:solidFill>
+            <a:schemeClr val="phClr">
+              <a:shade val="95000"/>
+              <a:satMod val="105000"/>
+            </a:schemeClr>
+          </a:solidFill>
+          <a:prstDash val="solid"/>
+        </a:ln>
+        <a:ln w="25400" cap="flat" cmpd="sng" algn="ctr">
+          <a:solidFill>
+            <a:schemeClr val="phClr"/>
+          </a:solidFill>
+          <a:prstDash val="solid"/>
+        </a:ln>
+        <a:ln w="38100" cap="flat" cmpd="sng" algn="ctr">
+          <a:solidFill>
+            <a:schemeClr val="phClr"/>
+          </a:solidFill>
+          <a:prstDash val="solid"/>
+        </a:ln>
+      </a:lnStyleLst>
+      <a:effectStyleLst>
+        <a:effectStyle>
+          <a:effectLst>
+            <a:outerShdw blurRad="40000" dist="20000" dir="5400000" rotWithShape="0">
+              <a:srgbClr val="000000">
+                <a:alpha val="38000"/>
+              </a:srgbClr>
+            </a:outerShdw>
+          </a:effectLst>
+        </a:effectStyle>
+        <a:effectStyle>
+          <a:effectLst>
+            <a:outerShdw blurRad="40000" dist="23000" dir="5400000" rotWithShape="0">
+              <a:srgbClr val="000000">
+                <a:alpha val="35000"/>
+              </a:srgbClr>
+            </a:outerShdw>
+          </a:effectLst>
+        </a:effectStyle>
+        <a:effectStyle>
+          <a:effectLst>
+            <a:outerShdw blurRad="40000" dist="23000" dir="5400000" rotWithShape="0">
+              <a:srgbClr val="000000">
+                <a:alpha val="35000"/>
+              </a:srgbClr>
+            </a:outerShdw>
+          </a:effectLst>
+          <a:scene3d>
+            <a:camera prst="orthographicFront">
+              <a:rot lat="0" lon="0" rev="0"/>
+            </a:camera>
+            <a:lightRig rig="threePt" dir="t">
+              <a:rot lat="0" lon="0" rev="1200000"/>
+            </a:lightRig>
+          </a:scene3d>
+          <a:sp3d>
+            <a:bevelT w="63500" h="25400"/>
+          </a:sp3d>
+        </a:effectStyle>
+      </a:effectStyleLst>
+      <a:bgFillStyleLst>
+        <a:solidFill>
+          <a:schemeClr val="phClr"/>
+        </a:solidFill>
+        <a:gradFill rotWithShape="1">
+          <a:gsLst>
+            <a:gs pos="0">
+              <a:schemeClr val="phClr">
+                <a:tint val="40000"/>
+                <a:satMod val="350000"/>
+              </a:schemeClr>
+            </a:gs>
+            <a:gs pos="40000">
+              <a:schemeClr val="phClr">
+                <a:tint val="45000"/>
+                <a:shade val="99000"/>
+                <a:satMod val="350000"/>
+              </a:schemeClr>
+            </a:gs>
+            <a:gs pos="100000">
+              <a:schemeClr val="phClr">
+                <a:shade val="20000"/>
+                <a:satMod val="255000"/>
+              </a:schemeClr>
+            </a:gs>
+          </a:gsLst>
+          <a:path path="circle">
+            <a:fillToRect l="50000" t="-80000" r="50000" b="180000"/>
+          </a:path>
+        </a:gradFill>
+        <a:gradFill rotWithShape="1">
+          <a:gsLst>
+            <a:gs pos="0">
+              <a:schemeClr val="phClr">
+                <a:tint val="80000"/>
+                <a:satMod val="300000"/>
+              </a:schemeClr>
+            </a:gs>
+            <a:gs pos="100000">
+              <a:schemeClr val="phClr">
+                <a:shade val="30000"/>
+                <a:satMod val="200000"/>
+              </a:schemeClr>
+            </a:gs>
+          </a:gsLst>
+          <a:path path="circle">
+            <a:fillToRect l="50000" t="50000" r="50000" b="50000"/>
+          </a:path>
+        </a:gradFill>
+      </a:bgFillStyleLst>
+    </a:fmtScheme>
+  </a:themeElements>
+</a:theme>
+</file>
+
+<file path=ppt/theme/theme2.xml><?xml version="1.0" encoding="utf-8"?>
 <a:theme xmlns:a="http://schemas.openxmlformats.org/drawingml/2006/main" xmlns:r="http://schemas.openxmlformats.org/officeDocument/2006/relationships">
   <a:themeElements>
     <a:clrScheme name="Default">
@@ -7153,283 +8037,4 @@
     </a:fmtScheme>
   </a:themeElements>
 </a:theme>
-</file>
-
-<file path=ppt/theme/theme2.xml><?xml version="1.0" encoding="utf-8"?>
-<a:theme xmlns:a="http://schemas.openxmlformats.org/drawingml/2006/main" xmlns:r="http://schemas.openxmlformats.org/officeDocument/2006/relationships" name="Simple Light">
-  <a:themeElements>
-    <a:clrScheme name="Simple Light">
-      <a:dk1>
-        <a:srgbClr val="000000"/>
-      </a:dk1>
-      <a:lt1>
-        <a:srgbClr val="FFFFFF"/>
-      </a:lt1>
-      <a:dk2>
-        <a:srgbClr val="595959"/>
-      </a:dk2>
-      <a:lt2>
-        <a:srgbClr val="EEEEEE"/>
-      </a:lt2>
-      <a:accent1>
-        <a:srgbClr val="FFAB40"/>
-      </a:accent1>
-      <a:accent2>
-        <a:srgbClr val="212121"/>
-      </a:accent2>
-      <a:accent3>
-        <a:srgbClr val="78909C"/>
-      </a:accent3>
-      <a:accent4>
-        <a:srgbClr val="FFAB40"/>
-      </a:accent4>
-      <a:accent5>
-        <a:srgbClr val="0097A7"/>
-      </a:accent5>
-      <a:accent6>
-        <a:srgbClr val="EEFF41"/>
-      </a:accent6>
-      <a:hlink>
-        <a:srgbClr val="0097A7"/>
-      </a:hlink>
-      <a:folHlink>
-        <a:srgbClr val="0097A7"/>
-      </a:folHlink>
-    </a:clrScheme>
-    <a:fontScheme name="Office">
-      <a:majorFont>
-        <a:latin typeface="Arial"/>
-        <a:ea typeface=""/>
-        <a:cs typeface=""/>
-        <a:font script="Jpan" typeface="ＭＳ Ｐゴシック"/>
-        <a:font script="Hang" typeface="맑은 고딕"/>
-        <a:font script="Hans" typeface="宋体"/>
-        <a:font script="Hant" typeface="新細明體"/>
-        <a:font script="Arab" typeface="Times New Roman"/>
-        <a:font script="Hebr" typeface="Times New Roman"/>
-        <a:font script="Thai" typeface="Angsana New"/>
-        <a:font script="Ethi" typeface="Nyala"/>
-        <a:font script="Beng" typeface="Vrinda"/>
-        <a:font script="Gujr" typeface="Shruti"/>
-        <a:font script="Khmr" typeface="MoolBoran"/>
-        <a:font script="Knda" typeface="Tunga"/>
-        <a:font script="Guru" typeface="Raavi"/>
-        <a:font script="Cans" typeface="Euphemia"/>
-        <a:font script="Cher" typeface="Plantagenet Cherokee"/>
-        <a:font script="Yiii" typeface="Microsoft Yi Baiti"/>
-        <a:font script="Tibt" typeface="Microsoft Himalaya"/>
-        <a:font script="Thaa" typeface="MV Boli"/>
-        <a:font script="Deva" typeface="Mangal"/>
-        <a:font script="Telu" typeface="Gautami"/>
-        <a:font script="Taml" typeface="Latha"/>
-        <a:font script="Syrc" typeface="Estrangelo Edessa"/>
-        <a:font script="Orya" typeface="Kalinga"/>
-        <a:font script="Mlym" typeface="Kartika"/>
-        <a:font script="Laoo" typeface="DokChampa"/>
-        <a:font script="Sinh" typeface="Iskoola Pota"/>
-        <a:font script="Mong" typeface="Mongolian Baiti"/>
-        <a:font script="Viet" typeface="Times New Roman"/>
-        <a:font script="Uigh" typeface="Microsoft Uighur"/>
-        <a:font script="Geor" typeface="Sylfaen"/>
-      </a:majorFont>
-      <a:minorFont>
-        <a:latin typeface="Arial"/>
-        <a:ea typeface=""/>
-        <a:cs typeface=""/>
-        <a:font script="Jpan" typeface="ＭＳ Ｐゴシック"/>
-        <a:font script="Hang" typeface="맑은 고딕"/>
-        <a:font script="Hans" typeface="宋体"/>
-        <a:font script="Hant" typeface="新細明體"/>
-        <a:font script="Arab" typeface="Arial"/>
-        <a:font script="Hebr" typeface="Arial"/>
-        <a:font script="Thai" typeface="Cordia New"/>
-        <a:font script="Ethi" typeface="Nyala"/>
-        <a:font script="Beng" typeface="Vrinda"/>
-        <a:font script="Gujr" typeface="Shruti"/>
-        <a:font script="Khmr" typeface="DaunPenh"/>
-        <a:font script="Knda" typeface="Tunga"/>
-        <a:font script="Guru" typeface="Raavi"/>
-        <a:font script="Cans" typeface="Euphemia"/>
-        <a:font script="Cher" typeface="Plantagenet Cherokee"/>
-        <a:font script="Yiii" typeface="Microsoft Yi Baiti"/>
-        <a:font script="Tibt" typeface="Microsoft Himalaya"/>
-        <a:font script="Thaa" typeface="MV Boli"/>
-        <a:font script="Deva" typeface="Mangal"/>
-        <a:font script="Telu" typeface="Gautami"/>
-        <a:font script="Taml" typeface="Latha"/>
-        <a:font script="Syrc" typeface="Estrangelo Edessa"/>
-        <a:font script="Orya" typeface="Kalinga"/>
-        <a:font script="Mlym" typeface="Kartika"/>
-        <a:font script="Laoo" typeface="DokChampa"/>
-        <a:font script="Sinh" typeface="Iskoola Pota"/>
-        <a:font script="Mong" typeface="Mongolian Baiti"/>
-        <a:font script="Viet" typeface="Arial"/>
-        <a:font script="Uigh" typeface="Microsoft Uighur"/>
-        <a:font script="Geor" typeface="Sylfaen"/>
-      </a:minorFont>
-    </a:fontScheme>
-    <a:fmtScheme name="Office">
-      <a:fillStyleLst>
-        <a:solidFill>
-          <a:schemeClr val="phClr"/>
-        </a:solidFill>
-        <a:gradFill rotWithShape="1">
-          <a:gsLst>
-            <a:gs pos="0">
-              <a:schemeClr val="phClr">
-                <a:tint val="50000"/>
-                <a:satMod val="300000"/>
-              </a:schemeClr>
-            </a:gs>
-            <a:gs pos="35000">
-              <a:schemeClr val="phClr">
-                <a:tint val="37000"/>
-                <a:satMod val="300000"/>
-              </a:schemeClr>
-            </a:gs>
-            <a:gs pos="100000">
-              <a:schemeClr val="phClr">
-                <a:tint val="15000"/>
-                <a:satMod val="350000"/>
-              </a:schemeClr>
-            </a:gs>
-          </a:gsLst>
-          <a:lin ang="16200000" scaled="1"/>
-        </a:gradFill>
-        <a:gradFill rotWithShape="1">
-          <a:gsLst>
-            <a:gs pos="0">
-              <a:schemeClr val="phClr">
-                <a:tint val="100000"/>
-                <a:shade val="100000"/>
-                <a:satMod val="130000"/>
-              </a:schemeClr>
-            </a:gs>
-            <a:gs pos="100000">
-              <a:schemeClr val="phClr">
-                <a:tint val="50000"/>
-                <a:shade val="100000"/>
-                <a:satMod val="350000"/>
-              </a:schemeClr>
-            </a:gs>
-          </a:gsLst>
-          <a:lin ang="16200000" scaled="0"/>
-        </a:gradFill>
-      </a:fillStyleLst>
-      <a:lnStyleLst>
-        <a:ln w="9525" cap="flat" cmpd="sng" algn="ctr">
-          <a:solidFill>
-            <a:schemeClr val="phClr">
-              <a:shade val="95000"/>
-              <a:satMod val="105000"/>
-            </a:schemeClr>
-          </a:solidFill>
-          <a:prstDash val="solid"/>
-        </a:ln>
-        <a:ln w="25400" cap="flat" cmpd="sng" algn="ctr">
-          <a:solidFill>
-            <a:schemeClr val="phClr"/>
-          </a:solidFill>
-          <a:prstDash val="solid"/>
-        </a:ln>
-        <a:ln w="38100" cap="flat" cmpd="sng" algn="ctr">
-          <a:solidFill>
-            <a:schemeClr val="phClr"/>
-          </a:solidFill>
-          <a:prstDash val="solid"/>
-        </a:ln>
-      </a:lnStyleLst>
-      <a:effectStyleLst>
-        <a:effectStyle>
-          <a:effectLst>
-            <a:outerShdw blurRad="40000" dist="20000" dir="5400000" rotWithShape="0">
-              <a:srgbClr val="000000">
-                <a:alpha val="38000"/>
-              </a:srgbClr>
-            </a:outerShdw>
-          </a:effectLst>
-        </a:effectStyle>
-        <a:effectStyle>
-          <a:effectLst>
-            <a:outerShdw blurRad="40000" dist="23000" dir="5400000" rotWithShape="0">
-              <a:srgbClr val="000000">
-                <a:alpha val="35000"/>
-              </a:srgbClr>
-            </a:outerShdw>
-          </a:effectLst>
-        </a:effectStyle>
-        <a:effectStyle>
-          <a:effectLst>
-            <a:outerShdw blurRad="40000" dist="23000" dir="5400000" rotWithShape="0">
-              <a:srgbClr val="000000">
-                <a:alpha val="35000"/>
-              </a:srgbClr>
-            </a:outerShdw>
-          </a:effectLst>
-          <a:scene3d>
-            <a:camera prst="orthographicFront">
-              <a:rot lat="0" lon="0" rev="0"/>
-            </a:camera>
-            <a:lightRig rig="threePt" dir="t">
-              <a:rot lat="0" lon="0" rev="1200000"/>
-            </a:lightRig>
-          </a:scene3d>
-          <a:sp3d>
-            <a:bevelT w="63500" h="25400"/>
-          </a:sp3d>
-        </a:effectStyle>
-      </a:effectStyleLst>
-      <a:bgFillStyleLst>
-        <a:solidFill>
-          <a:schemeClr val="phClr"/>
-        </a:solidFill>
-        <a:gradFill rotWithShape="1">
-          <a:gsLst>
-            <a:gs pos="0">
-              <a:schemeClr val="phClr">
-                <a:tint val="40000"/>
-                <a:satMod val="350000"/>
-              </a:schemeClr>
-            </a:gs>
-            <a:gs pos="40000">
-              <a:schemeClr val="phClr">
-                <a:tint val="45000"/>
-                <a:shade val="99000"/>
-                <a:satMod val="350000"/>
-              </a:schemeClr>
-            </a:gs>
-            <a:gs pos="100000">
-              <a:schemeClr val="phClr">
-                <a:shade val="20000"/>
-                <a:satMod val="255000"/>
-              </a:schemeClr>
-            </a:gs>
-          </a:gsLst>
-          <a:path path="circle">
-            <a:fillToRect l="50000" t="-80000" r="50000" b="180000"/>
-          </a:path>
-        </a:gradFill>
-        <a:gradFill rotWithShape="1">
-          <a:gsLst>
-            <a:gs pos="0">
-              <a:schemeClr val="phClr">
-                <a:tint val="80000"/>
-                <a:satMod val="300000"/>
-              </a:schemeClr>
-            </a:gs>
-            <a:gs pos="100000">
-              <a:schemeClr val="phClr">
-                <a:shade val="30000"/>
-                <a:satMod val="200000"/>
-              </a:schemeClr>
-            </a:gs>
-          </a:gsLst>
-          <a:path path="circle">
-            <a:fillToRect l="50000" t="50000" r="50000" b="50000"/>
-          </a:path>
-        </a:gradFill>
-      </a:bgFillStyleLst>
-    </a:fmtScheme>
-  </a:themeElements>
-</a:theme>
 </file>
--- a/T-Hub.pptx
+++ b/T-Hub.pptx
@@ -7482,6 +7482,285 @@
 </file>
 
 <file path=ppt/theme/theme1.xml><?xml version="1.0" encoding="utf-8"?>
+<a:theme xmlns:a="http://schemas.openxmlformats.org/drawingml/2006/main" xmlns:r="http://schemas.openxmlformats.org/officeDocument/2006/relationships">
+  <a:themeElements>
+    <a:clrScheme name="Default">
+      <a:dk1>
+        <a:srgbClr val="000000"/>
+      </a:dk1>
+      <a:lt1>
+        <a:srgbClr val="FFFFFF"/>
+      </a:lt1>
+      <a:dk2>
+        <a:srgbClr val="158158"/>
+      </a:dk2>
+      <a:lt2>
+        <a:srgbClr val="F3F3F3"/>
+      </a:lt2>
+      <a:accent1>
+        <a:srgbClr val="058DC7"/>
+      </a:accent1>
+      <a:accent2>
+        <a:srgbClr val="50B432"/>
+      </a:accent2>
+      <a:accent3>
+        <a:srgbClr val="ED561B"/>
+      </a:accent3>
+      <a:accent4>
+        <a:srgbClr val="EDEF00"/>
+      </a:accent4>
+      <a:accent5>
+        <a:srgbClr val="24CBE5"/>
+      </a:accent5>
+      <a:accent6>
+        <a:srgbClr val="64E572"/>
+      </a:accent6>
+      <a:hlink>
+        <a:srgbClr val="2200CC"/>
+      </a:hlink>
+      <a:folHlink>
+        <a:srgbClr val="551A8B"/>
+      </a:folHlink>
+    </a:clrScheme>
+    <a:fontScheme name="Office">
+      <a:majorFont>
+        <a:latin typeface="Arial"/>
+        <a:ea typeface=""/>
+        <a:cs typeface=""/>
+        <a:font script="Jpan" typeface="ＭＳ Ｐゴシック"/>
+        <a:font script="Hang" typeface="맑은 고딕"/>
+        <a:font script="Hans" typeface="宋体"/>
+        <a:font script="Hant" typeface="新細明體"/>
+        <a:font script="Arab" typeface="Times New Roman"/>
+        <a:font script="Hebr" typeface="Times New Roman"/>
+        <a:font script="Thai" typeface="Angsana New"/>
+        <a:font script="Ethi" typeface="Nyala"/>
+        <a:font script="Beng" typeface="Vrinda"/>
+        <a:font script="Gujr" typeface="Shruti"/>
+        <a:font script="Khmr" typeface="MoolBoran"/>
+        <a:font script="Knda" typeface="Tunga"/>
+        <a:font script="Guru" typeface="Raavi"/>
+        <a:font script="Cans" typeface="Euphemia"/>
+        <a:font script="Cher" typeface="Plantagenet Cherokee"/>
+        <a:font script="Yiii" typeface="Microsoft Yi Baiti"/>
+        <a:font script="Tibt" typeface="Microsoft Himalaya"/>
+        <a:font script="Thaa" typeface="MV Boli"/>
+        <a:font script="Deva" typeface="Mangal"/>
+        <a:font script="Telu" typeface="Gautami"/>
+        <a:font script="Taml" typeface="Latha"/>
+        <a:font script="Syrc" typeface="Estrangelo Edessa"/>
+        <a:font script="Orya" typeface="Kalinga"/>
+        <a:font script="Mlym" typeface="Kartika"/>
+        <a:font script="Laoo" typeface="DokChampa"/>
+        <a:font script="Sinh" typeface="Iskoola Pota"/>
+        <a:font script="Mong" typeface="Mongolian Baiti"/>
+        <a:font script="Viet" typeface="Times New Roman"/>
+        <a:font script="Uigh" typeface="Microsoft Uighur"/>
+        <a:font script="Geor" typeface="Sylfaen"/>
+      </a:majorFont>
+      <a:minorFont>
+        <a:latin typeface="Arial"/>
+        <a:ea typeface=""/>
+        <a:cs typeface=""/>
+        <a:font script="Jpan" typeface="ＭＳ Ｐゴシック"/>
+        <a:font script="Hang" typeface="맑은 고딕"/>
+        <a:font script="Hans" typeface="宋体"/>
+        <a:font script="Hant" typeface="新細明體"/>
+        <a:font script="Arab" typeface="Arial"/>
+        <a:font script="Hebr" typeface="Arial"/>
+        <a:font script="Thai" typeface="Cordia New"/>
+        <a:font script="Ethi" typeface="Nyala"/>
+        <a:font script="Beng" typeface="Vrinda"/>
+        <a:font script="Gujr" typeface="Shruti"/>
+        <a:font script="Khmr" typeface="DaunPenh"/>
+        <a:font script="Knda" typeface="Tunga"/>
+        <a:font script="Guru" typeface="Raavi"/>
+        <a:font script="Cans" typeface="Euphemia"/>
+        <a:font script="Cher" typeface="Plantagenet Cherokee"/>
+        <a:font script="Yiii" typeface="Microsoft Yi Baiti"/>
+        <a:font script="Tibt" typeface="Microsoft Himalaya"/>
+        <a:font script="Thaa" typeface="MV Boli"/>
+        <a:font script="Deva" typeface="Mangal"/>
+        <a:font script="Telu" typeface="Gautami"/>
+        <a:font script="Taml" typeface="Latha"/>
+        <a:font script="Syrc" typeface="Estrangelo Edessa"/>
+        <a:font script="Orya" typeface="Kalinga"/>
+        <a:font script="Mlym" typeface="Kartika"/>
+        <a:font script="Laoo" typeface="DokChampa"/>
+        <a:font script="Sinh" typeface="Iskoola Pota"/>
+        <a:font script="Mong" typeface="Mongolian Baiti"/>
+        <a:font script="Viet" typeface="Arial"/>
+        <a:font script="Uigh" typeface="Microsoft Uighur"/>
+        <a:font script="Geor" typeface="Sylfaen"/>
+      </a:minorFont>
+    </a:fontScheme>
+    <a:fmtScheme name="Office">
+      <a:fillStyleLst>
+        <a:solidFill>
+          <a:schemeClr val="phClr"/>
+        </a:solidFill>
+        <a:gradFill rotWithShape="1">
+          <a:gsLst>
+            <a:gs pos="0">
+              <a:schemeClr val="phClr">
+                <a:tint val="50000"/>
+                <a:satMod val="300000"/>
+              </a:schemeClr>
+            </a:gs>
+            <a:gs pos="35000">
+              <a:schemeClr val="phClr">
+                <a:tint val="37000"/>
+                <a:satMod val="300000"/>
+              </a:schemeClr>
+            </a:gs>
+            <a:gs pos="100000">
+              <a:schemeClr val="phClr">
+                <a:tint val="15000"/>
+                <a:satMod val="350000"/>
+              </a:schemeClr>
+            </a:gs>
+          </a:gsLst>
+          <a:lin ang="16200000" scaled="1"/>
+        </a:gradFill>
+        <a:gradFill rotWithShape="1">
+          <a:gsLst>
+            <a:gs pos="0">
+              <a:schemeClr val="phClr">
+                <a:tint val="100000"/>
+                <a:shade val="100000"/>
+                <a:satMod val="130000"/>
+              </a:schemeClr>
+            </a:gs>
+            <a:gs pos="100000">
+              <a:schemeClr val="phClr">
+                <a:tint val="50000"/>
+                <a:shade val="100000"/>
+                <a:satMod val="350000"/>
+              </a:schemeClr>
+            </a:gs>
+          </a:gsLst>
+          <a:lin ang="16200000" scaled="0"/>
+        </a:gradFill>
+      </a:fillStyleLst>
+      <a:lnStyleLst>
+        <a:ln w="9525" cap="flat" cmpd="sng" algn="ctr">
+          <a:solidFill>
+            <a:schemeClr val="phClr">
+              <a:shade val="95000"/>
+              <a:satMod val="105000"/>
+            </a:schemeClr>
+          </a:solidFill>
+          <a:prstDash val="solid"/>
+        </a:ln>
+        <a:ln w="25400" cap="flat" cmpd="sng" algn="ctr">
+          <a:solidFill>
+            <a:schemeClr val="phClr"/>
+          </a:solidFill>
+          <a:prstDash val="solid"/>
+        </a:ln>
+        <a:ln w="38100" cap="flat" cmpd="sng" algn="ctr">
+          <a:solidFill>
+            <a:schemeClr val="phClr"/>
+          </a:solidFill>
+          <a:prstDash val="solid"/>
+        </a:ln>
+      </a:lnStyleLst>
+      <a:effectStyleLst>
+        <a:effectStyle>
+          <a:effectLst>
+            <a:outerShdw blurRad="40000" dist="20000" dir="5400000" rotWithShape="0">
+              <a:srgbClr val="000000">
+                <a:alpha val="38000"/>
+              </a:srgbClr>
+            </a:outerShdw>
+          </a:effectLst>
+        </a:effectStyle>
+        <a:effectStyle>
+          <a:effectLst>
+            <a:outerShdw blurRad="40000" dist="23000" dir="5400000" rotWithShape="0">
+              <a:srgbClr val="000000">
+                <a:alpha val="35000"/>
+              </a:srgbClr>
+            </a:outerShdw>
+          </a:effectLst>
+        </a:effectStyle>
+        <a:effectStyle>
+          <a:effectLst>
+            <a:outerShdw blurRad="40000" dist="23000" dir="5400000" rotWithShape="0">
+              <a:srgbClr val="000000">
+                <a:alpha val="35000"/>
+              </a:srgbClr>
+            </a:outerShdw>
+          </a:effectLst>
+          <a:scene3d>
+            <a:camera prst="orthographicFront">
+              <a:rot lat="0" lon="0" rev="0"/>
+            </a:camera>
+            <a:lightRig rig="threePt" dir="t">
+              <a:rot lat="0" lon="0" rev="1200000"/>
+            </a:lightRig>
+          </a:scene3d>
+          <a:sp3d>
+            <a:bevelT w="63500" h="25400"/>
+          </a:sp3d>
+        </a:effectStyle>
+      </a:effectStyleLst>
+      <a:bgFillStyleLst>
+        <a:solidFill>
+          <a:schemeClr val="phClr"/>
+        </a:solidFill>
+        <a:gradFill rotWithShape="1">
+          <a:gsLst>
+            <a:gs pos="0">
+              <a:schemeClr val="phClr">
+                <a:tint val="40000"/>
+                <a:satMod val="350000"/>
+              </a:schemeClr>
+            </a:gs>
+            <a:gs pos="40000">
+              <a:schemeClr val="phClr">
+                <a:tint val="45000"/>
+                <a:shade val="99000"/>
+                <a:satMod val="350000"/>
+              </a:schemeClr>
+            </a:gs>
+            <a:gs pos="100000">
+              <a:schemeClr val="phClr">
+                <a:shade val="20000"/>
+                <a:satMod val="255000"/>
+              </a:schemeClr>
+            </a:gs>
+          </a:gsLst>
+          <a:path path="circle">
+            <a:fillToRect l="50000" t="-80000" r="50000" b="180000"/>
+          </a:path>
+        </a:gradFill>
+        <a:gradFill rotWithShape="1">
+          <a:gsLst>
+            <a:gs pos="0">
+              <a:schemeClr val="phClr">
+                <a:tint val="80000"/>
+                <a:satMod val="300000"/>
+              </a:schemeClr>
+            </a:gs>
+            <a:gs pos="100000">
+              <a:schemeClr val="phClr">
+                <a:shade val="30000"/>
+                <a:satMod val="200000"/>
+              </a:schemeClr>
+            </a:gs>
+          </a:gsLst>
+          <a:path path="circle">
+            <a:fillToRect l="50000" t="50000" r="50000" b="50000"/>
+          </a:path>
+        </a:gradFill>
+      </a:bgFillStyleLst>
+    </a:fmtScheme>
+  </a:themeElements>
+</a:theme>
+</file>
+
+<file path=ppt/theme/theme2.xml><?xml version="1.0" encoding="utf-8"?>
 <a:theme xmlns:a="http://schemas.openxmlformats.org/drawingml/2006/main" xmlns:r="http://schemas.openxmlformats.org/officeDocument/2006/relationships" name="Simple Light">
   <a:themeElements>
     <a:clrScheme name="Simple Light">
@@ -7758,283 +8037,4 @@
     </a:fmtScheme>
   </a:themeElements>
 </a:theme>
-</file>
-
-<file path=ppt/theme/theme2.xml><?xml version="1.0" encoding="utf-8"?>
-<a:theme xmlns:a="http://schemas.openxmlformats.org/drawingml/2006/main" xmlns:r="http://schemas.openxmlformats.org/officeDocument/2006/relationships">
-  <a:themeElements>
-    <a:clrScheme name="Default">
-      <a:dk1>
-        <a:srgbClr val="000000"/>
-      </a:dk1>
-      <a:lt1>
-        <a:srgbClr val="FFFFFF"/>
-      </a:lt1>
-      <a:dk2>
-        <a:srgbClr val="158158"/>
-      </a:dk2>
-      <a:lt2>
-        <a:srgbClr val="F3F3F3"/>
-      </a:lt2>
-      <a:accent1>
-        <a:srgbClr val="058DC7"/>
-      </a:accent1>
-      <a:accent2>
-        <a:srgbClr val="50B432"/>
-      </a:accent2>
-      <a:accent3>
-        <a:srgbClr val="ED561B"/>
-      </a:accent3>
-      <a:accent4>
-        <a:srgbClr val="EDEF00"/>
-      </a:accent4>
-      <a:accent5>
-        <a:srgbClr val="24CBE5"/>
-      </a:accent5>
-      <a:accent6>
-        <a:srgbClr val="64E572"/>
-      </a:accent6>
-      <a:hlink>
-        <a:srgbClr val="2200CC"/>
-      </a:hlink>
-      <a:folHlink>
-        <a:srgbClr val="551A8B"/>
-      </a:folHlink>
-    </a:clrScheme>
-    <a:fontScheme name="Office">
-      <a:majorFont>
-        <a:latin typeface="Arial"/>
-        <a:ea typeface=""/>
-        <a:cs typeface=""/>
-        <a:font script="Jpan" typeface="ＭＳ Ｐゴシック"/>
-        <a:font script="Hang" typeface="맑은 고딕"/>
-        <a:font script="Hans" typeface="宋体"/>
-        <a:font script="Hant" typeface="新細明體"/>
-        <a:font script="Arab" typeface="Times New Roman"/>
-        <a:font script="Hebr" typeface="Times New Roman"/>
-        <a:font script="Thai" typeface="Angsana New"/>
-        <a:font script="Ethi" typeface="Nyala"/>
-        <a:font script="Beng" typeface="Vrinda"/>
-        <a:font script="Gujr" typeface="Shruti"/>
-        <a:font script="Khmr" typeface="MoolBoran"/>
-        <a:font script="Knda" typeface="Tunga"/>
-        <a:font script="Guru" typeface="Raavi"/>
-        <a:font script="Cans" typeface="Euphemia"/>
-        <a:font script="Cher" typeface="Plantagenet Cherokee"/>
-        <a:font script="Yiii" typeface="Microsoft Yi Baiti"/>
-        <a:font script="Tibt" typeface="Microsoft Himalaya"/>
-        <a:font script="Thaa" typeface="MV Boli"/>
-        <a:font script="Deva" typeface="Mangal"/>
-        <a:font script="Telu" typeface="Gautami"/>
-        <a:font script="Taml" typeface="Latha"/>
-        <a:font script="Syrc" typeface="Estrangelo Edessa"/>
-        <a:font script="Orya" typeface="Kalinga"/>
-        <a:font script="Mlym" typeface="Kartika"/>
-        <a:font script="Laoo" typeface="DokChampa"/>
-        <a:font script="Sinh" typeface="Iskoola Pota"/>
-        <a:font script="Mong" typeface="Mongolian Baiti"/>
-        <a:font script="Viet" typeface="Times New Roman"/>
-        <a:font script="Uigh" typeface="Microsoft Uighur"/>
-        <a:font script="Geor" typeface="Sylfaen"/>
-      </a:majorFont>
-      <a:minorFont>
-        <a:latin typeface="Arial"/>
-        <a:ea typeface=""/>
-        <a:cs typeface=""/>
-        <a:font script="Jpan" typeface="ＭＳ Ｐゴシック"/>
-        <a:font script="Hang" typeface="맑은 고딕"/>
-        <a:font script="Hans" typeface="宋体"/>
-        <a:font script="Hant" typeface="新細明體"/>
-        <a:font script="Arab" typeface="Arial"/>
-        <a:font script="Hebr" typeface="Arial"/>
-        <a:font script="Thai" typeface="Cordia New"/>
-        <a:font script="Ethi" typeface="Nyala"/>
-        <a:font script="Beng" typeface="Vrinda"/>
-        <a:font script="Gujr" typeface="Shruti"/>
-        <a:font script="Khmr" typeface="DaunPenh"/>
-        <a:font script="Knda" typeface="Tunga"/>
-        <a:font script="Guru" typeface="Raavi"/>
-        <a:font script="Cans" typeface="Euphemia"/>
-        <a:font script="Cher" typeface="Plantagenet Cherokee"/>
-        <a:font script="Yiii" typeface="Microsoft Yi Baiti"/>
-        <a:font script="Tibt" typeface="Microsoft Himalaya"/>
-        <a:font script="Thaa" typeface="MV Boli"/>
-        <a:font script="Deva" typeface="Mangal"/>
-        <a:font script="Telu" typeface="Gautami"/>
-        <a:font script="Taml" typeface="Latha"/>
-        <a:font script="Syrc" typeface="Estrangelo Edessa"/>
-        <a:font script="Orya" typeface="Kalinga"/>
-        <a:font script="Mlym" typeface="Kartika"/>
-        <a:font script="Laoo" typeface="DokChampa"/>
-        <a:font script="Sinh" typeface="Iskoola Pota"/>
-        <a:font script="Mong" typeface="Mongolian Baiti"/>
-        <a:font script="Viet" typeface="Arial"/>
-        <a:font script="Uigh" typeface="Microsoft Uighur"/>
-        <a:font script="Geor" typeface="Sylfaen"/>
-      </a:minorFont>
-    </a:fontScheme>
-    <a:fmtScheme name="Office">
-      <a:fillStyleLst>
-        <a:solidFill>
-          <a:schemeClr val="phClr"/>
-        </a:solidFill>
-        <a:gradFill rotWithShape="1">
-          <a:gsLst>
-            <a:gs pos="0">
-              <a:schemeClr val="phClr">
-                <a:tint val="50000"/>
-                <a:satMod val="300000"/>
-              </a:schemeClr>
-            </a:gs>
-            <a:gs pos="35000">
-              <a:schemeClr val="phClr">
-                <a:tint val="37000"/>
-                <a:satMod val="300000"/>
-              </a:schemeClr>
-            </a:gs>
-            <a:gs pos="100000">
-              <a:schemeClr val="phClr">
-                <a:tint val="15000"/>
-                <a:satMod val="350000"/>
-              </a:schemeClr>
-            </a:gs>
-          </a:gsLst>
-          <a:lin ang="16200000" scaled="1"/>
-        </a:gradFill>
-        <a:gradFill rotWithShape="1">
-          <a:gsLst>
-            <a:gs pos="0">
-              <a:schemeClr val="phClr">
-                <a:tint val="100000"/>
-                <a:shade val="100000"/>
-                <a:satMod val="130000"/>
-              </a:schemeClr>
-            </a:gs>
-            <a:gs pos="100000">
-              <a:schemeClr val="phClr">
-                <a:tint val="50000"/>
-                <a:shade val="100000"/>
-                <a:satMod val="350000"/>
-              </a:schemeClr>
-            </a:gs>
-          </a:gsLst>
-          <a:lin ang="16200000" scaled="0"/>
-        </a:gradFill>
-      </a:fillStyleLst>
-      <a:lnStyleLst>
-        <a:ln w="9525" cap="flat" cmpd="sng" algn="ctr">
-          <a:solidFill>
-            <a:schemeClr val="phClr">
-              <a:shade val="95000"/>
-              <a:satMod val="105000"/>
-            </a:schemeClr>
-          </a:solidFill>
-          <a:prstDash val="solid"/>
-        </a:ln>
-        <a:ln w="25400" cap="flat" cmpd="sng" algn="ctr">
-          <a:solidFill>
-            <a:schemeClr val="phClr"/>
-          </a:solidFill>
-          <a:prstDash val="solid"/>
-        </a:ln>
-        <a:ln w="38100" cap="flat" cmpd="sng" algn="ctr">
-          <a:solidFill>
-            <a:schemeClr val="phClr"/>
-          </a:solidFill>
-          <a:prstDash val="solid"/>
-        </a:ln>
-      </a:lnStyleLst>
-      <a:effectStyleLst>
-        <a:effectStyle>
-          <a:effectLst>
-            <a:outerShdw blurRad="40000" dist="20000" dir="5400000" rotWithShape="0">
-              <a:srgbClr val="000000">
-                <a:alpha val="38000"/>
-              </a:srgbClr>
-            </a:outerShdw>
-          </a:effectLst>
-        </a:effectStyle>
-        <a:effectStyle>
-          <a:effectLst>
-            <a:outerShdw blurRad="40000" dist="23000" dir="5400000" rotWithShape="0">
-              <a:srgbClr val="000000">
-                <a:alpha val="35000"/>
-              </a:srgbClr>
-            </a:outerShdw>
-          </a:effectLst>
-        </a:effectStyle>
-        <a:effectStyle>
-          <a:effectLst>
-            <a:outerShdw blurRad="40000" dist="23000" dir="5400000" rotWithShape="0">
-              <a:srgbClr val="000000">
-                <a:alpha val="35000"/>
-              </a:srgbClr>
-            </a:outerShdw>
-          </a:effectLst>
-          <a:scene3d>
-            <a:camera prst="orthographicFront">
-              <a:rot lat="0" lon="0" rev="0"/>
-            </a:camera>
-            <a:lightRig rig="threePt" dir="t">
-              <a:rot lat="0" lon="0" rev="1200000"/>
-            </a:lightRig>
-          </a:scene3d>
-          <a:sp3d>
-            <a:bevelT w="63500" h="25400"/>
-          </a:sp3d>
-        </a:effectStyle>
-      </a:effectStyleLst>
-      <a:bgFillStyleLst>
-        <a:solidFill>
-          <a:schemeClr val="phClr"/>
-        </a:solidFill>
-        <a:gradFill rotWithShape="1">
-          <a:gsLst>
-            <a:gs pos="0">
-              <a:schemeClr val="phClr">
-                <a:tint val="40000"/>
-                <a:satMod val="350000"/>
-              </a:schemeClr>
-            </a:gs>
-            <a:gs pos="40000">
-              <a:schemeClr val="phClr">
-                <a:tint val="45000"/>
-                <a:shade val="99000"/>
-                <a:satMod val="350000"/>
-              </a:schemeClr>
-            </a:gs>
-            <a:gs pos="100000">
-              <a:schemeClr val="phClr">
-                <a:shade val="20000"/>
-                <a:satMod val="255000"/>
-              </a:schemeClr>
-            </a:gs>
-          </a:gsLst>
-          <a:path path="circle">
-            <a:fillToRect l="50000" t="-80000" r="50000" b="180000"/>
-          </a:path>
-        </a:gradFill>
-        <a:gradFill rotWithShape="1">
-          <a:gsLst>
-            <a:gs pos="0">
-              <a:schemeClr val="phClr">
-                <a:tint val="80000"/>
-                <a:satMod val="300000"/>
-              </a:schemeClr>
-            </a:gs>
-            <a:gs pos="100000">
-              <a:schemeClr val="phClr">
-                <a:shade val="30000"/>
-                <a:satMod val="200000"/>
-              </a:schemeClr>
-            </a:gs>
-          </a:gsLst>
-          <a:path path="circle">
-            <a:fillToRect l="50000" t="50000" r="50000" b="50000"/>
-          </a:path>
-        </a:gradFill>
-      </a:bgFillStyleLst>
-    </a:fmtScheme>
-  </a:themeElements>
-</a:theme>
 </file>
--- a/T-Hub.pptx
+++ b/T-Hub.pptx
@@ -917,7 +917,7 @@
       </p:grpSpPr>
       <p:sp>
         <p:nvSpPr>
-          <p:cNvPr id="66" name="Google Shape;66;g6b902900be_0_8:notes"/>
+          <p:cNvPr id="66" name="Google Shape;66;g6b90b036eb_0_0:notes"/>
           <p:cNvSpPr/>
           <p:nvPr>
             <p:ph idx="2" type="sldImg"/>
@@ -952,7 +952,7 @@
       </p:sp>
       <p:sp>
         <p:nvSpPr>
-          <p:cNvPr id="67" name="Google Shape;67;g6b902900be_0_8:notes"/>
+          <p:cNvPr id="67" name="Google Shape;67;g6b90b036eb_0_0:notes"/>
           <p:cNvSpPr txBox="1"/>
           <p:nvPr>
             <p:ph idx="1" type="body"/>
@@ -1002,7 +1002,7 @@
   <p:cSld>
     <p:spTree>
       <p:nvGrpSpPr>
-        <p:cNvPr id="72" name="Shape 72"/>
+        <p:cNvPr id="73" name="Shape 73"/>
         <p:cNvGrpSpPr/>
         <p:nvPr/>
       </p:nvGrpSpPr>
@@ -1016,7 +1016,7 @@
       </p:grpSpPr>
       <p:sp>
         <p:nvSpPr>
-          <p:cNvPr id="73" name="Google Shape;73;g6b90b036eb_0_0:notes"/>
+          <p:cNvPr id="74" name="Google Shape;74;g6b90b036eb_0_14:notes"/>
           <p:cNvSpPr/>
           <p:nvPr>
             <p:ph idx="2" type="sldImg"/>
@@ -1051,7 +1051,7 @@
       </p:sp>
       <p:sp>
         <p:nvSpPr>
-          <p:cNvPr id="74" name="Google Shape;74;g6b90b036eb_0_0:notes"/>
+          <p:cNvPr id="75" name="Google Shape;75;g6b90b036eb_0_14:notes"/>
           <p:cNvSpPr txBox="1"/>
           <p:nvPr>
             <p:ph idx="1" type="body"/>
@@ -1101,7 +1101,7 @@
   <p:cSld>
     <p:spTree>
       <p:nvGrpSpPr>
-        <p:cNvPr id="82" name="Shape 82"/>
+        <p:cNvPr id="80" name="Shape 80"/>
         <p:cNvGrpSpPr/>
         <p:nvPr/>
       </p:nvGrpSpPr>
@@ -1115,7 +1115,7 @@
       </p:grpSpPr>
       <p:sp>
         <p:nvSpPr>
-          <p:cNvPr id="83" name="Google Shape;83;g6b902900be_0_13:notes"/>
+          <p:cNvPr id="81" name="Google Shape;81;g6b92281f0d_3_3:notes"/>
           <p:cNvSpPr/>
           <p:nvPr>
             <p:ph idx="2" type="sldImg"/>
@@ -1150,7 +1150,7 @@
       </p:sp>
       <p:sp>
         <p:nvSpPr>
-          <p:cNvPr id="84" name="Google Shape;84;g6b902900be_0_13:notes"/>
+          <p:cNvPr id="82" name="Google Shape;82;g6b92281f0d_3_3:notes"/>
           <p:cNvSpPr txBox="1"/>
           <p:nvPr>
             <p:ph idx="1" type="body"/>
@@ -1200,7 +1200,7 @@
   <p:cSld>
     <p:spTree>
       <p:nvGrpSpPr>
-        <p:cNvPr id="91" name="Shape 91"/>
+        <p:cNvPr id="88" name="Shape 88"/>
         <p:cNvGrpSpPr/>
         <p:nvPr/>
       </p:nvGrpSpPr>
@@ -1214,7 +1214,7 @@
       </p:grpSpPr>
       <p:sp>
         <p:nvSpPr>
-          <p:cNvPr id="92" name="Google Shape;92;g6b902900be_1_7:notes"/>
+          <p:cNvPr id="89" name="Google Shape;89;g6b902900be_1_7:notes"/>
           <p:cNvSpPr/>
           <p:nvPr>
             <p:ph idx="2" type="sldImg"/>
@@ -1249,7 +1249,7 @@
       </p:sp>
       <p:sp>
         <p:nvSpPr>
-          <p:cNvPr id="93" name="Google Shape;93;g6b902900be_1_7:notes"/>
+          <p:cNvPr id="90" name="Google Shape;90;g6b902900be_1_7:notes"/>
           <p:cNvSpPr txBox="1"/>
           <p:nvPr>
             <p:ph idx="1" type="body"/>
@@ -4687,9 +4687,14 @@
   <p:cSld name="simple-light-2">
     <p:bg>
       <p:bgPr>
-        <a:solidFill>
-          <a:schemeClr val="lt1"/>
-        </a:solidFill>
+        <a:blipFill>
+          <a:blip r:embed="rId1">
+            <a:alphaModFix/>
+          </a:blip>
+          <a:stretch>
+            <a:fillRect/>
+          </a:stretch>
+        </a:blipFill>
       </p:bgPr>
     </p:bg>
     <p:spTree>
@@ -5238,17 +5243,17 @@
   </p:cSld>
   <p:clrMap accent1="accent1" accent2="accent2" accent3="accent3" accent4="accent4" accent5="accent5" accent6="accent6" bg1="lt1" bg2="dk2" tx1="dk1" tx2="lt2" folHlink="folHlink" hlink="hlink"/>
   <p:sldLayoutIdLst>
-    <p:sldLayoutId id="2147483648" r:id="rId1"/>
-    <p:sldLayoutId id="2147483649" r:id="rId2"/>
-    <p:sldLayoutId id="2147483650" r:id="rId3"/>
-    <p:sldLayoutId id="2147483651" r:id="rId4"/>
-    <p:sldLayoutId id="2147483652" r:id="rId5"/>
-    <p:sldLayoutId id="2147483653" r:id="rId6"/>
-    <p:sldLayoutId id="2147483654" r:id="rId7"/>
-    <p:sldLayoutId id="2147483655" r:id="rId8"/>
-    <p:sldLayoutId id="2147483656" r:id="rId9"/>
-    <p:sldLayoutId id="2147483657" r:id="rId10"/>
-    <p:sldLayoutId id="2147483658" r:id="rId11"/>
+    <p:sldLayoutId id="2147483648" r:id="rId2"/>
+    <p:sldLayoutId id="2147483649" r:id="rId3"/>
+    <p:sldLayoutId id="2147483650" r:id="rId4"/>
+    <p:sldLayoutId id="2147483651" r:id="rId5"/>
+    <p:sldLayoutId id="2147483652" r:id="rId6"/>
+    <p:sldLayoutId id="2147483653" r:id="rId7"/>
+    <p:sldLayoutId id="2147483654" r:id="rId8"/>
+    <p:sldLayoutId id="2147483655" r:id="rId9"/>
+    <p:sldLayoutId id="2147483656" r:id="rId10"/>
+    <p:sldLayoutId id="2147483657" r:id="rId11"/>
+    <p:sldLayoutId id="2147483658" r:id="rId12"/>
   </p:sldLayoutIdLst>
   <p:hf dt="0" ftr="0" hdr="0" sldNum="0"/>
   <p:txStyles>
@@ -5946,6 +5951,18 @@
 <file path=ppt/slides/slide1.xml><?xml version="1.0" encoding="utf-8"?>
 <p:sld xmlns:a="http://schemas.openxmlformats.org/drawingml/2006/main" xmlns:r="http://schemas.openxmlformats.org/officeDocument/2006/relationships" xmlns:mc="http://schemas.openxmlformats.org/markup-compatibility/2006" xmlns:mv="urn:schemas-microsoft-com:mac:vml" xmlns:p="http://schemas.openxmlformats.org/presentationml/2006/main" xmlns:c="http://schemas.openxmlformats.org/drawingml/2006/chart" xmlns:dgm="http://schemas.openxmlformats.org/drawingml/2006/diagram" xmlns:o="urn:schemas-microsoft-com:office:office" xmlns:v="urn:schemas-microsoft-com:vml" xmlns:pvml="urn:schemas-microsoft-com:office:powerpoint" xmlns:com="http://schemas.openxmlformats.org/drawingml/2006/compatibility" xmlns:p14="http://schemas.microsoft.com/office/powerpoint/2010/main" xmlns:p15="http://schemas.microsoft.com/office/powerpoint/2012/main">
   <p:cSld>
+    <p:bg>
+      <p:bgPr>
+        <a:blipFill>
+          <a:blip r:embed="rId3">
+            <a:alphaModFix/>
+          </a:blip>
+          <a:stretch>
+            <a:fillRect/>
+          </a:stretch>
+        </a:blipFill>
+      </p:bgPr>
+    </p:bg>
     <p:spTree>
       <p:nvGrpSpPr>
         <p:cNvPr id="53" name="Shape 53"/>
@@ -5960,37 +5977,9 @@
           <a:chExt cx="0" cy="0"/>
         </a:xfrm>
       </p:grpSpPr>
-      <p:pic>
-        <p:nvPicPr>
-          <p:cNvPr id="54" name="Google Shape;54;p13"/>
-          <p:cNvPicPr preferRelativeResize="0"/>
-          <p:nvPr/>
-        </p:nvPicPr>
-        <p:blipFill>
-          <a:blip r:embed="rId3">
-            <a:alphaModFix/>
-          </a:blip>
-          <a:stretch>
-            <a:fillRect/>
-          </a:stretch>
-        </p:blipFill>
-        <p:spPr>
-          <a:xfrm>
-            <a:off x="-2" y="-660612"/>
-            <a:ext cx="9144004" cy="6464727"/>
-          </a:xfrm>
-          <a:prstGeom prst="rect">
-            <a:avLst/>
-          </a:prstGeom>
-          <a:noFill/>
-          <a:ln>
-            <a:noFill/>
-          </a:ln>
-        </p:spPr>
-      </p:pic>
       <p:sp>
         <p:nvSpPr>
-          <p:cNvPr id="55" name="Google Shape;55;p13"/>
+          <p:cNvPr id="54" name="Google Shape;54;p13"/>
           <p:cNvSpPr txBox="1"/>
           <p:nvPr>
             <p:ph type="ctrTitle"/>
@@ -5998,7 +5987,7 @@
         </p:nvSpPr>
         <p:spPr>
           <a:xfrm>
-            <a:off x="0" y="0"/>
+            <a:off x="361950" y="600075"/>
             <a:ext cx="3449100" cy="1057200"/>
           </a:xfrm>
           <a:prstGeom prst="rect">
@@ -6023,7 +6012,7 @@
             <a:r>
               <a:rPr b="1" lang="es">
                 <a:solidFill>
-                  <a:srgbClr val="FFFFFF"/>
+                  <a:srgbClr val="000000"/>
                 </a:solidFill>
                 <a:latin typeface="Helvetica Neue"/>
                 <a:ea typeface="Helvetica Neue"/>
@@ -6034,7 +6023,7 @@
             </a:r>
             <a:endParaRPr b="1">
               <a:solidFill>
-                <a:srgbClr val="FFFFFF"/>
+                <a:srgbClr val="000000"/>
               </a:solidFill>
               <a:latin typeface="Helvetica Neue"/>
               <a:ea typeface="Helvetica Neue"/>
@@ -6046,7 +6035,7 @@
       </p:sp>
       <p:sp>
         <p:nvSpPr>
-          <p:cNvPr id="56" name="Google Shape;56;p13"/>
+          <p:cNvPr id="55" name="Google Shape;55;p13"/>
           <p:cNvSpPr txBox="1"/>
           <p:nvPr>
             <p:ph idx="1" type="subTitle"/>
@@ -6054,7 +6043,7 @@
         </p:nvSpPr>
         <p:spPr>
           <a:xfrm>
-            <a:off x="0" y="3118175"/>
+            <a:off x="361950" y="2079950"/>
             <a:ext cx="3699600" cy="2025300"/>
           </a:xfrm>
           <a:prstGeom prst="rect">
@@ -6079,14 +6068,14 @@
             <a:r>
               <a:rPr lang="es" sz="2400">
                 <a:solidFill>
-                  <a:srgbClr val="FFFFFF"/>
+                  <a:srgbClr val="000000"/>
                 </a:solidFill>
               </a:rPr>
               <a:t>Rodrigo Guzmán</a:t>
             </a:r>
             <a:endParaRPr sz="2400">
               <a:solidFill>
-                <a:srgbClr val="FFFFFF"/>
+                <a:srgbClr val="000000"/>
               </a:solidFill>
             </a:endParaRPr>
           </a:p>
@@ -6103,14 +6092,14 @@
             <a:r>
               <a:rPr lang="es" sz="2400">
                 <a:solidFill>
-                  <a:srgbClr val="FFFFFF"/>
+                  <a:srgbClr val="000000"/>
                 </a:solidFill>
               </a:rPr>
               <a:t>Raquel García</a:t>
             </a:r>
             <a:endParaRPr sz="2400">
               <a:solidFill>
-                <a:srgbClr val="FFFFFF"/>
+                <a:srgbClr val="000000"/>
               </a:solidFill>
             </a:endParaRPr>
           </a:p>
@@ -6127,14 +6116,14 @@
             <a:r>
               <a:rPr lang="es" sz="2400">
                 <a:solidFill>
-                  <a:srgbClr val="FFFFFF"/>
+                  <a:srgbClr val="000000"/>
                 </a:solidFill>
               </a:rPr>
               <a:t>David Martínez</a:t>
             </a:r>
             <a:endParaRPr sz="2400">
               <a:solidFill>
-                <a:srgbClr val="FFFFFF"/>
+                <a:srgbClr val="000000"/>
               </a:solidFill>
             </a:endParaRPr>
           </a:p>
@@ -6151,14 +6140,14 @@
             <a:r>
               <a:rPr lang="es" sz="2400">
                 <a:solidFill>
-                  <a:srgbClr val="FFFFFF"/>
+                  <a:srgbClr val="000000"/>
                 </a:solidFill>
               </a:rPr>
               <a:t>Edu Gómez</a:t>
             </a:r>
             <a:endParaRPr sz="2400">
               <a:solidFill>
-                <a:srgbClr val="FFFFFF"/>
+                <a:srgbClr val="000000"/>
               </a:solidFill>
             </a:endParaRPr>
           </a:p>
@@ -6175,19 +6164,47 @@
             <a:r>
               <a:rPr lang="es" sz="2400">
                 <a:solidFill>
-                  <a:srgbClr val="FFFFFF"/>
+                  <a:srgbClr val="000000"/>
                 </a:solidFill>
               </a:rPr>
               <a:t>Antonio José Fernández</a:t>
             </a:r>
             <a:endParaRPr sz="2400">
               <a:solidFill>
-                <a:srgbClr val="FFFFFF"/>
+                <a:srgbClr val="000000"/>
               </a:solidFill>
             </a:endParaRPr>
           </a:p>
         </p:txBody>
       </p:sp>
+      <p:pic>
+        <p:nvPicPr>
+          <p:cNvPr id="56" name="Google Shape;56;p13"/>
+          <p:cNvPicPr preferRelativeResize="0"/>
+          <p:nvPr/>
+        </p:nvPicPr>
+        <p:blipFill>
+          <a:blip r:embed="rId4">
+            <a:alphaModFix/>
+          </a:blip>
+          <a:stretch>
+            <a:fillRect/>
+          </a:stretch>
+        </p:blipFill>
+        <p:spPr>
+          <a:xfrm>
+            <a:off x="4842600" y="666750"/>
+            <a:ext cx="3810000" cy="3810000"/>
+          </a:xfrm>
+          <a:prstGeom prst="rect">
+            <a:avLst/>
+          </a:prstGeom>
+          <a:noFill/>
+          <a:ln>
+            <a:noFill/>
+          </a:ln>
+        </p:spPr>
+      </p:pic>
     </p:spTree>
   </p:cSld>
   <p:clrMapOvr>
@@ -6219,18 +6236,17 @@
           <p:cNvPicPr preferRelativeResize="0"/>
           <p:nvPr/>
         </p:nvPicPr>
-        <p:blipFill>
+        <p:blipFill rotWithShape="1">
           <a:blip r:embed="rId3">
             <a:alphaModFix/>
           </a:blip>
-          <a:stretch>
-            <a:fillRect/>
-          </a:stretch>
+          <a:srcRect b="0" l="0" r="0" t="0"/>
+          <a:stretch/>
         </p:blipFill>
         <p:spPr>
           <a:xfrm>
-            <a:off x="11" y="-1321173"/>
-            <a:ext cx="9144004" cy="6464662"/>
+            <a:off x="0" y="0"/>
+            <a:ext cx="9144004" cy="5143501"/>
           </a:xfrm>
           <a:prstGeom prst="rect">
             <a:avLst/>
@@ -6251,8 +6267,8 @@
         </p:nvSpPr>
         <p:spPr>
           <a:xfrm>
-            <a:off x="311700" y="241200"/>
-            <a:ext cx="3471600" cy="2170500"/>
+            <a:off x="311700" y="955575"/>
+            <a:ext cx="3471600" cy="1187700"/>
           </a:xfrm>
           <a:prstGeom prst="rect">
             <a:avLst/>
@@ -6274,37 +6290,17 @@
               <a:buNone/>
             </a:pPr>
             <a:r>
-              <a:rPr b="1" lang="es" sz="3000">
-                <a:solidFill>
-                  <a:srgbClr val="FFFFFF"/>
-                </a:solidFill>
-                <a:latin typeface="Helvetica Neue"/>
-                <a:ea typeface="Helvetica Neue"/>
-                <a:cs typeface="Helvetica Neue"/>
-                <a:sym typeface="Helvetica Neue"/>
-              </a:rPr>
-              <a:t>Challenge</a:t>
-            </a:r>
-            <a:r>
               <a:rPr lang="es" sz="3000">
                 <a:solidFill>
-                  <a:srgbClr val="FFFFFF"/>
+                  <a:srgbClr val="000000"/>
                 </a:solidFill>
-                <a:latin typeface="Helvetica Neue"/>
-                <a:ea typeface="Helvetica Neue"/>
-                <a:cs typeface="Helvetica Neue"/>
-                <a:sym typeface="Helvetica Neue"/>
               </a:rPr>
-              <a:t> :</a:t>
+              <a:t>Reto:</a:t>
             </a:r>
             <a:endParaRPr sz="3000">
               <a:solidFill>
-                <a:srgbClr val="FFFFFF"/>
+                <a:srgbClr val="000000"/>
               </a:solidFill>
-              <a:latin typeface="Helvetica Neue"/>
-              <a:ea typeface="Helvetica Neue"/>
-              <a:cs typeface="Helvetica Neue"/>
-              <a:sym typeface="Helvetica Neue"/>
             </a:endParaRPr>
           </a:p>
           <a:p>
@@ -6318,9 +6314,9 @@
               <a:buNone/>
             </a:pPr>
             <a:r>
-              <a:rPr lang="es" sz="3000">
+              <a:rPr lang="es" sz="1800">
                 <a:solidFill>
-                  <a:srgbClr val="FFFFFF"/>
+                  <a:srgbClr val="000000"/>
                 </a:solidFill>
                 <a:latin typeface="Helvetica Neue"/>
                 <a:ea typeface="Helvetica Neue"/>
@@ -6329,9 +6325,9 @@
               </a:rPr>
               <a:t>Planificador de eventos culturales</a:t>
             </a:r>
-            <a:endParaRPr sz="3000">
+            <a:endParaRPr sz="1800">
               <a:solidFill>
-                <a:srgbClr val="FFFFFF"/>
+                <a:srgbClr val="000000"/>
               </a:solidFill>
               <a:latin typeface="Helvetica Neue"/>
               <a:ea typeface="Helvetica Neue"/>
@@ -6391,7 +6387,7 @@
         </p:blipFill>
         <p:spPr>
           <a:xfrm>
-            <a:off x="4959417" y="115473"/>
+            <a:off x="4911792" y="448848"/>
             <a:ext cx="3652407" cy="2601700"/>
           </a:xfrm>
           <a:prstGeom prst="rect">
@@ -6446,87 +6442,9 @@
           <a:chExt cx="0" cy="0"/>
         </a:xfrm>
       </p:grpSpPr>
-      <p:sp>
-        <p:nvSpPr>
-          <p:cNvPr id="69" name="Google Shape;69;p15"/>
-          <p:cNvSpPr txBox="1"/>
-          <p:nvPr>
-            <p:ph type="title"/>
-          </p:nvPr>
-        </p:nvSpPr>
-        <p:spPr>
-          <a:xfrm>
-            <a:off x="311700" y="445025"/>
-            <a:ext cx="8520600" cy="572700"/>
-          </a:xfrm>
-          <a:prstGeom prst="rect">
-            <a:avLst/>
-          </a:prstGeom>
-        </p:spPr>
-        <p:txBody>
-          <a:bodyPr anchorCtr="0" anchor="t" bIns="91425" lIns="91425" spcFirstLastPara="1" rIns="91425" wrap="square" tIns="91425">
-            <a:noAutofit/>
-          </a:bodyPr>
-          <a:lstStyle/>
-          <a:p>
-            <a:pPr indent="0" lvl="0" marL="0" rtl="0" algn="l">
-              <a:spcBef>
-                <a:spcPts val="0"/>
-              </a:spcBef>
-              <a:spcAft>
-                <a:spcPts val="0"/>
-              </a:spcAft>
-              <a:buNone/>
-            </a:pPr>
-            <a:r>
-              <a:t/>
-            </a:r>
-            <a:endParaRPr/>
-          </a:p>
-        </p:txBody>
-      </p:sp>
-      <p:sp>
-        <p:nvSpPr>
-          <p:cNvPr id="70" name="Google Shape;70;p15"/>
-          <p:cNvSpPr txBox="1"/>
-          <p:nvPr>
-            <p:ph idx="1" type="body"/>
-          </p:nvPr>
-        </p:nvSpPr>
-        <p:spPr>
-          <a:xfrm>
-            <a:off x="311700" y="1152475"/>
-            <a:ext cx="8520600" cy="3416400"/>
-          </a:xfrm>
-          <a:prstGeom prst="rect">
-            <a:avLst/>
-          </a:prstGeom>
-        </p:spPr>
-        <p:txBody>
-          <a:bodyPr anchorCtr="0" anchor="t" bIns="91425" lIns="91425" spcFirstLastPara="1" rIns="91425" wrap="square" tIns="91425">
-            <a:noAutofit/>
-          </a:bodyPr>
-          <a:lstStyle/>
-          <a:p>
-            <a:pPr indent="0" lvl="0" marL="0" rtl="0" algn="l">
-              <a:spcBef>
-                <a:spcPts val="0"/>
-              </a:spcBef>
-              <a:spcAft>
-                <a:spcPts val="1600"/>
-              </a:spcAft>
-              <a:buNone/>
-            </a:pPr>
-            <a:r>
-              <a:t/>
-            </a:r>
-            <a:endParaRPr/>
-          </a:p>
-        </p:txBody>
-      </p:sp>
       <p:pic>
         <p:nvPicPr>
-          <p:cNvPr id="71" name="Google Shape;71;p15"/>
+          <p:cNvPr id="69" name="Google Shape;69;p15"/>
           <p:cNvPicPr preferRelativeResize="0"/>
           <p:nvPr/>
         </p:nvPicPr>
@@ -6540,179 +6458,8 @@
         </p:blipFill>
         <p:spPr>
           <a:xfrm>
-            <a:off x="0" y="-519492"/>
-            <a:ext cx="9144004" cy="6464691"/>
-          </a:xfrm>
-          <a:prstGeom prst="rect">
-            <a:avLst/>
-          </a:prstGeom>
-          <a:noFill/>
-          <a:ln>
-            <a:noFill/>
-          </a:ln>
-        </p:spPr>
-      </p:pic>
-    </p:spTree>
-  </p:cSld>
-  <p:clrMapOvr>
-    <a:masterClrMapping/>
-  </p:clrMapOvr>
-  <mc:AlternateContent>
-    <mc:Choice Requires="p14">
-      <p:transition spd="slow" p14:dur="1000">
-        <p:push dir="r"/>
-      </p:transition>
-    </mc:Choice>
-    <mc:Fallback>
-      <p:transition spd="slow">
-        <p:fade/>
-      </p:transition>
-    </mc:Fallback>
-  </mc:AlternateContent>
-</p:sld>
-</file>
-
-<file path=ppt/slides/slide4.xml><?xml version="1.0" encoding="utf-8"?>
-<p:sld xmlns:a="http://schemas.openxmlformats.org/drawingml/2006/main" xmlns:r="http://schemas.openxmlformats.org/officeDocument/2006/relationships" xmlns:mc="http://schemas.openxmlformats.org/markup-compatibility/2006" xmlns:mv="urn:schemas-microsoft-com:mac:vml" xmlns:p="http://schemas.openxmlformats.org/presentationml/2006/main" xmlns:c="http://schemas.openxmlformats.org/drawingml/2006/chart" xmlns:dgm="http://schemas.openxmlformats.org/drawingml/2006/diagram" xmlns:o="urn:schemas-microsoft-com:office:office" xmlns:v="urn:schemas-microsoft-com:vml" xmlns:pvml="urn:schemas-microsoft-com:office:powerpoint" xmlns:com="http://schemas.openxmlformats.org/drawingml/2006/compatibility" xmlns:p14="http://schemas.microsoft.com/office/powerpoint/2010/main" xmlns:p15="http://schemas.microsoft.com/office/powerpoint/2012/main">
-  <p:cSld>
-    <p:spTree>
-      <p:nvGrpSpPr>
-        <p:cNvPr id="75" name="Shape 75"/>
-        <p:cNvGrpSpPr/>
-        <p:nvPr/>
-      </p:nvGrpSpPr>
-      <p:grpSpPr>
-        <a:xfrm>
-          <a:off x="0" y="0"/>
-          <a:ext cx="0" cy="0"/>
-          <a:chOff x="0" y="0"/>
-          <a:chExt cx="0" cy="0"/>
-        </a:xfrm>
-      </p:grpSpPr>
-      <p:sp>
-        <p:nvSpPr>
-          <p:cNvPr id="76" name="Google Shape;76;p16"/>
-          <p:cNvSpPr txBox="1"/>
-          <p:nvPr>
-            <p:ph type="title"/>
-          </p:nvPr>
-        </p:nvSpPr>
-        <p:spPr>
-          <a:xfrm>
-            <a:off x="311700" y="445025"/>
-            <a:ext cx="8520600" cy="572700"/>
-          </a:xfrm>
-          <a:prstGeom prst="rect">
-            <a:avLst/>
-          </a:prstGeom>
-        </p:spPr>
-        <p:txBody>
-          <a:bodyPr anchorCtr="0" anchor="t" bIns="91425" lIns="91425" spcFirstLastPara="1" rIns="91425" wrap="square" tIns="91425">
-            <a:noAutofit/>
-          </a:bodyPr>
-          <a:lstStyle/>
-          <a:p>
-            <a:pPr indent="0" lvl="0" marL="0" rtl="0" algn="l">
-              <a:spcBef>
-                <a:spcPts val="0"/>
-              </a:spcBef>
-              <a:spcAft>
-                <a:spcPts val="0"/>
-              </a:spcAft>
-              <a:buNone/>
-            </a:pPr>
-            <a:r>
-              <a:t/>
-            </a:r>
-            <a:endParaRPr/>
-          </a:p>
-        </p:txBody>
-      </p:sp>
-      <p:sp>
-        <p:nvSpPr>
-          <p:cNvPr id="77" name="Google Shape;77;p16"/>
-          <p:cNvSpPr txBox="1"/>
-          <p:nvPr>
-            <p:ph idx="1" type="body"/>
-          </p:nvPr>
-        </p:nvSpPr>
-        <p:spPr>
-          <a:xfrm>
-            <a:off x="311700" y="1152475"/>
-            <a:ext cx="8520600" cy="3416400"/>
-          </a:xfrm>
-          <a:prstGeom prst="rect">
-            <a:avLst/>
-          </a:prstGeom>
-        </p:spPr>
-        <p:txBody>
-          <a:bodyPr anchorCtr="0" anchor="t" bIns="91425" lIns="91425" spcFirstLastPara="1" rIns="91425" wrap="square" tIns="91425">
-            <a:noAutofit/>
-          </a:bodyPr>
-          <a:lstStyle/>
-          <a:p>
-            <a:pPr indent="0" lvl="0" marL="0" rtl="0" algn="l">
-              <a:spcBef>
-                <a:spcPts val="0"/>
-              </a:spcBef>
-              <a:spcAft>
-                <a:spcPts val="1600"/>
-              </a:spcAft>
-              <a:buNone/>
-            </a:pPr>
-            <a:r>
-              <a:t/>
-            </a:r>
-            <a:endParaRPr/>
-          </a:p>
-        </p:txBody>
-      </p:sp>
-      <p:pic>
-        <p:nvPicPr>
-          <p:cNvPr id="78" name="Google Shape;78;p16"/>
-          <p:cNvPicPr preferRelativeResize="0"/>
-          <p:nvPr/>
-        </p:nvPicPr>
-        <p:blipFill>
-          <a:blip r:embed="rId3">
-            <a:alphaModFix/>
-          </a:blip>
-          <a:stretch>
-            <a:fillRect/>
-          </a:stretch>
-        </p:blipFill>
-        <p:spPr>
-          <a:xfrm>
-            <a:off x="-2" y="-1321225"/>
-            <a:ext cx="9144004" cy="6464727"/>
-          </a:xfrm>
-          <a:prstGeom prst="rect">
-            <a:avLst/>
-          </a:prstGeom>
-          <a:noFill/>
-          <a:ln>
-            <a:noFill/>
-          </a:ln>
-        </p:spPr>
-      </p:pic>
-      <p:pic>
-        <p:nvPicPr>
-          <p:cNvPr id="79" name="Google Shape;79;p16"/>
-          <p:cNvPicPr preferRelativeResize="0"/>
-          <p:nvPr/>
-        </p:nvPicPr>
-        <p:blipFill>
-          <a:blip r:embed="rId4">
-            <a:alphaModFix/>
-          </a:blip>
-          <a:stretch>
-            <a:fillRect/>
-          </a:stretch>
-        </p:blipFill>
-        <p:spPr>
-          <a:xfrm>
-            <a:off x="734900" y="262575"/>
-            <a:ext cx="2309173" cy="4618346"/>
+            <a:off x="937250" y="1017725"/>
+            <a:ext cx="2233152" cy="3863196"/>
           </a:xfrm>
           <a:prstGeom prst="rect">
             <a:avLst/>
@@ -6731,12 +6478,12 @@
       </p:pic>
       <p:pic>
         <p:nvPicPr>
-          <p:cNvPr id="80" name="Google Shape;80;p16"/>
+          <p:cNvPr id="70" name="Google Shape;70;p15"/>
           <p:cNvPicPr preferRelativeResize="0"/>
           <p:nvPr/>
         </p:nvPicPr>
         <p:blipFill>
-          <a:blip r:embed="rId5">
+          <a:blip r:embed="rId4">
             <a:alphaModFix/>
           </a:blip>
           <a:stretch>
@@ -6745,8 +6492,8 @@
         </p:blipFill>
         <p:spPr>
           <a:xfrm>
-            <a:off x="2618124" y="262575"/>
-            <a:ext cx="2548195" cy="4618348"/>
+            <a:off x="2758474" y="1017725"/>
+            <a:ext cx="2464304" cy="3863199"/>
           </a:xfrm>
           <a:prstGeom prst="rect">
             <a:avLst/>
@@ -6765,12 +6512,12 @@
       </p:pic>
       <p:pic>
         <p:nvPicPr>
-          <p:cNvPr id="81" name="Google Shape;81;p16"/>
+          <p:cNvPr id="71" name="Google Shape;71;p15"/>
           <p:cNvPicPr preferRelativeResize="0"/>
           <p:nvPr/>
         </p:nvPicPr>
         <p:blipFill>
-          <a:blip r:embed="rId6">
+          <a:blip r:embed="rId5">
             <a:alphaModFix/>
           </a:blip>
           <a:stretch>
@@ -6779,8 +6526,8 @@
         </p:blipFill>
         <p:spPr>
           <a:xfrm>
-            <a:off x="4572000" y="262575"/>
-            <a:ext cx="2309173" cy="4618346"/>
+            <a:off x="4648025" y="1017725"/>
+            <a:ext cx="2233152" cy="3863196"/>
           </a:xfrm>
           <a:prstGeom prst="rect">
             <a:avLst/>
@@ -6797,6 +6544,48 @@
           </a:ln>
         </p:spPr>
       </p:pic>
+      <p:sp>
+        <p:nvSpPr>
+          <p:cNvPr id="72" name="Google Shape;72;p15"/>
+          <p:cNvSpPr txBox="1"/>
+          <p:nvPr/>
+        </p:nvSpPr>
+        <p:spPr>
+          <a:xfrm>
+            <a:off x="346700" y="340250"/>
+            <a:ext cx="4183500" cy="572700"/>
+          </a:xfrm>
+          <a:prstGeom prst="rect">
+            <a:avLst/>
+          </a:prstGeom>
+          <a:noFill/>
+          <a:ln>
+            <a:noFill/>
+          </a:ln>
+        </p:spPr>
+        <p:txBody>
+          <a:bodyPr anchorCtr="0" anchor="t" bIns="91425" lIns="91425" spcFirstLastPara="1" rIns="91425" wrap="square" tIns="91425">
+            <a:noAutofit/>
+          </a:bodyPr>
+          <a:lstStyle/>
+          <a:p>
+            <a:pPr indent="0" lvl="0" marL="0" rtl="0" algn="l">
+              <a:spcBef>
+                <a:spcPts val="0"/>
+              </a:spcBef>
+              <a:spcAft>
+                <a:spcPts val="0"/>
+              </a:spcAft>
+              <a:buNone/>
+            </a:pPr>
+            <a:r>
+              <a:rPr lang="es" sz="3000"/>
+              <a:t>Usuario</a:t>
+            </a:r>
+            <a:endParaRPr sz="3000"/>
+          </a:p>
+        </p:txBody>
+      </p:sp>
     </p:spTree>
   </p:cSld>
   <p:clrMapOvr>
@@ -6848,7 +6637,7 @@
                                           </p:stCondLst>
                                         </p:cTn>
                                         <p:tgtEl>
-                                          <p:spTgt spid="80"/>
+                                          <p:spTgt spid="70"/>
                                         </p:tgtEl>
                                         <p:attrNameLst>
                                           <p:attrName>style.visibility</p:attrName>
@@ -6862,7 +6651,7 @@
                                       <p:cBhvr additive="base">
                                         <p:cTn dur="1000"/>
                                         <p:tgtEl>
-                                          <p:spTgt spid="80"/>
+                                          <p:spTgt spid="70"/>
                                         </p:tgtEl>
                                         <p:attrNameLst>
                                           <p:attrName>ppt_x</p:attrName>
@@ -6916,7 +6705,7 @@
                                           </p:stCondLst>
                                         </p:cTn>
                                         <p:tgtEl>
-                                          <p:spTgt spid="81"/>
+                                          <p:spTgt spid="71"/>
                                         </p:tgtEl>
                                         <p:attrNameLst>
                                           <p:attrName>style.visibility</p:attrName>
@@ -6930,7 +6719,7 @@
                                       <p:cBhvr additive="base">
                                         <p:cTn dur="1000"/>
                                         <p:tgtEl>
-                                          <p:spTgt spid="81"/>
+                                          <p:spTgt spid="71"/>
                                         </p:tgtEl>
                                         <p:attrNameLst>
                                           <p:attrName>ppt_x</p:attrName>
@@ -6983,12 +6772,12 @@
 </p:sld>
 </file>
 
-<file path=ppt/slides/slide5.xml><?xml version="1.0" encoding="utf-8"?>
+<file path=ppt/slides/slide4.xml><?xml version="1.0" encoding="utf-8"?>
 <p:sld xmlns:a="http://schemas.openxmlformats.org/drawingml/2006/main" xmlns:r="http://schemas.openxmlformats.org/officeDocument/2006/relationships" xmlns:mc="http://schemas.openxmlformats.org/markup-compatibility/2006" xmlns:mv="urn:schemas-microsoft-com:mac:vml" xmlns:p="http://schemas.openxmlformats.org/presentationml/2006/main" xmlns:c="http://schemas.openxmlformats.org/drawingml/2006/chart" xmlns:dgm="http://schemas.openxmlformats.org/drawingml/2006/diagram" xmlns:o="urn:schemas-microsoft-com:office:office" xmlns:v="urn:schemas-microsoft-com:vml" xmlns:pvml="urn:schemas-microsoft-com:office:powerpoint" xmlns:com="http://schemas.openxmlformats.org/drawingml/2006/compatibility" xmlns:p14="http://schemas.microsoft.com/office/powerpoint/2010/main" xmlns:p15="http://schemas.microsoft.com/office/powerpoint/2012/main">
   <p:cSld>
     <p:spTree>
       <p:nvGrpSpPr>
-        <p:cNvPr id="85" name="Shape 85"/>
+        <p:cNvPr id="76" name="Shape 76"/>
         <p:cNvGrpSpPr/>
         <p:nvPr/>
       </p:nvGrpSpPr>
@@ -7000,9 +6789,109 @@
           <a:chExt cx="0" cy="0"/>
         </a:xfrm>
       </p:grpSpPr>
+      <p:sp>
+        <p:nvSpPr>
+          <p:cNvPr id="77" name="Google Shape;77;p16"/>
+          <p:cNvSpPr txBox="1"/>
+          <p:nvPr/>
+        </p:nvSpPr>
+        <p:spPr>
+          <a:xfrm>
+            <a:off x="542925" y="397400"/>
+            <a:ext cx="4183500" cy="572700"/>
+          </a:xfrm>
+          <a:prstGeom prst="rect">
+            <a:avLst/>
+          </a:prstGeom>
+          <a:noFill/>
+          <a:ln>
+            <a:noFill/>
+          </a:ln>
+        </p:spPr>
+        <p:txBody>
+          <a:bodyPr anchorCtr="0" anchor="t" bIns="91425" lIns="91425" spcFirstLastPara="1" rIns="91425" wrap="square" tIns="91425">
+            <a:noAutofit/>
+          </a:bodyPr>
+          <a:lstStyle/>
+          <a:p>
+            <a:pPr indent="0" lvl="0" marL="0" rtl="0" algn="l">
+              <a:spcBef>
+                <a:spcPts val="0"/>
+              </a:spcBef>
+              <a:spcAft>
+                <a:spcPts val="0"/>
+              </a:spcAft>
+              <a:buNone/>
+            </a:pPr>
+            <a:r>
+              <a:rPr lang="es" sz="3000"/>
+              <a:t>Evento</a:t>
+            </a:r>
+            <a:endParaRPr sz="3000"/>
+          </a:p>
+        </p:txBody>
+      </p:sp>
+      <p:sp>
+        <p:nvSpPr>
+          <p:cNvPr id="78" name="Google Shape;78;p16"/>
+          <p:cNvSpPr txBox="1"/>
+          <p:nvPr/>
+        </p:nvSpPr>
+        <p:spPr>
+          <a:xfrm>
+            <a:off x="542925" y="1812525"/>
+            <a:ext cx="2742900" cy="1161900"/>
+          </a:xfrm>
+          <a:prstGeom prst="rect">
+            <a:avLst/>
+          </a:prstGeom>
+          <a:noFill/>
+          <a:ln>
+            <a:noFill/>
+          </a:ln>
+        </p:spPr>
+        <p:txBody>
+          <a:bodyPr anchorCtr="0" anchor="t" bIns="91425" lIns="91425" spcFirstLastPara="1" rIns="91425" wrap="square" tIns="91425">
+            <a:noAutofit/>
+          </a:bodyPr>
+          <a:lstStyle/>
+          <a:p>
+            <a:pPr indent="0" lvl="0" marL="0" rtl="0" algn="l">
+              <a:spcBef>
+                <a:spcPts val="0"/>
+              </a:spcBef>
+              <a:spcAft>
+                <a:spcPts val="0"/>
+              </a:spcAft>
+              <a:buNone/>
+            </a:pPr>
+            <a:r>
+              <a:rPr lang="es" sz="2400"/>
+              <a:t>Cliente seguro</a:t>
+            </a:r>
+            <a:endParaRPr sz="2400"/>
+          </a:p>
+          <a:p>
+            <a:pPr indent="0" lvl="0" marL="0" rtl="0" algn="l">
+              <a:spcBef>
+                <a:spcPts val="0"/>
+              </a:spcBef>
+              <a:spcAft>
+                <a:spcPts val="0"/>
+              </a:spcAft>
+              <a:buNone/>
+            </a:pPr>
+            <a:r>
+              <a:rPr lang="es" sz="2400"/>
+              <a:t>Cliente afín a ti</a:t>
+            </a:r>
+            <a:endParaRPr sz="2400"/>
+          </a:p>
+        </p:txBody>
+      </p:sp>
       <p:pic>
         <p:nvPicPr>
-          <p:cNvPr id="86" name="Google Shape;86;p17"/>
+          <p:cNvPr id="79" name="Google Shape;79;p16"/>
           <p:cNvPicPr preferRelativeResize="0"/>
           <p:nvPr/>
         </p:nvPicPr>
@@ -7016,8 +6905,8 @@
         </p:blipFill>
         <p:spPr>
           <a:xfrm>
-            <a:off x="-2" y="-1321225"/>
-            <a:ext cx="9144004" cy="6464727"/>
+            <a:off x="3816425" y="1100100"/>
+            <a:ext cx="4359750" cy="2586785"/>
           </a:xfrm>
           <a:prstGeom prst="rect">
             <a:avLst/>
@@ -7028,187 +6917,20 @@
           </a:ln>
         </p:spPr>
       </p:pic>
-      <p:sp>
-        <p:nvSpPr>
-          <p:cNvPr id="87" name="Google Shape;87;p17"/>
-          <p:cNvSpPr txBox="1"/>
-          <p:nvPr>
-            <p:ph type="title"/>
-          </p:nvPr>
-        </p:nvSpPr>
-        <p:spPr>
-          <a:xfrm>
-            <a:off x="908825" y="467900"/>
-            <a:ext cx="3186000" cy="1091100"/>
-          </a:xfrm>
-          <a:prstGeom prst="rect">
-            <a:avLst/>
-          </a:prstGeom>
-        </p:spPr>
-        <p:txBody>
-          <a:bodyPr anchorCtr="0" anchor="t" bIns="91425" lIns="91425" spcFirstLastPara="1" rIns="91425" wrap="square" tIns="91425">
-            <a:noAutofit/>
-          </a:bodyPr>
-          <a:lstStyle/>
-          <a:p>
-            <a:pPr indent="0" lvl="0" marL="0" rtl="0" algn="l">
-              <a:spcBef>
-                <a:spcPts val="0"/>
-              </a:spcBef>
-              <a:spcAft>
-                <a:spcPts val="0"/>
-              </a:spcAft>
-              <a:buNone/>
-            </a:pPr>
-            <a:r>
-              <a:rPr lang="es" sz="4800">
-                <a:solidFill>
-                  <a:srgbClr val="FFFFFF"/>
-                </a:solidFill>
-              </a:rPr>
-              <a:t>Business</a:t>
-            </a:r>
-            <a:endParaRPr sz="4800">
-              <a:solidFill>
-                <a:srgbClr val="FFFFFF"/>
-              </a:solidFill>
-            </a:endParaRPr>
-          </a:p>
-        </p:txBody>
-      </p:sp>
-      <p:sp>
-        <p:nvSpPr>
-          <p:cNvPr id="88" name="Google Shape;88;p17"/>
-          <p:cNvSpPr txBox="1"/>
-          <p:nvPr>
-            <p:ph idx="1" type="body"/>
-          </p:nvPr>
-        </p:nvSpPr>
-        <p:spPr>
-          <a:xfrm>
-            <a:off x="311700" y="1152475"/>
-            <a:ext cx="8520600" cy="3416400"/>
-          </a:xfrm>
-          <a:prstGeom prst="rect">
-            <a:avLst/>
-          </a:prstGeom>
-        </p:spPr>
-        <p:txBody>
-          <a:bodyPr anchorCtr="0" anchor="t" bIns="91425" lIns="91425" spcFirstLastPara="1" rIns="91425" wrap="square" tIns="91425">
-            <a:noAutofit/>
-          </a:bodyPr>
-          <a:lstStyle/>
-          <a:p>
-            <a:pPr indent="0" lvl="0" marL="0" rtl="0" algn="l">
-              <a:spcBef>
-                <a:spcPts val="0"/>
-              </a:spcBef>
-              <a:spcAft>
-                <a:spcPts val="1600"/>
-              </a:spcAft>
-              <a:buNone/>
-            </a:pPr>
-            <a:r>
-              <a:t/>
-            </a:r>
-            <a:endParaRPr/>
-          </a:p>
-        </p:txBody>
-      </p:sp>
-      <p:pic>
-        <p:nvPicPr>
-          <p:cNvPr id="89" name="Google Shape;89;p17"/>
-          <p:cNvPicPr preferRelativeResize="0"/>
-          <p:nvPr/>
-        </p:nvPicPr>
-        <p:blipFill>
-          <a:blip r:embed="rId4">
-            <a:alphaModFix/>
-          </a:blip>
-          <a:stretch>
-            <a:fillRect/>
-          </a:stretch>
-        </p:blipFill>
-        <p:spPr>
-          <a:xfrm>
-            <a:off x="4874825" y="148575"/>
-            <a:ext cx="3888901" cy="2188045"/>
-          </a:xfrm>
-          <a:prstGeom prst="rect">
-            <a:avLst/>
-          </a:prstGeom>
-          <a:noFill/>
-          <a:ln cap="flat" cmpd="sng" w="28575">
-            <a:solidFill>
-              <a:srgbClr val="FFFFFF"/>
-            </a:solidFill>
-            <a:prstDash val="solid"/>
-            <a:round/>
-            <a:headEnd len="sm" w="sm" type="none"/>
-            <a:tailEnd len="sm" w="sm" type="none"/>
-          </a:ln>
-        </p:spPr>
-      </p:pic>
-      <p:pic>
-        <p:nvPicPr>
-          <p:cNvPr id="90" name="Google Shape;90;p17"/>
-          <p:cNvPicPr preferRelativeResize="0"/>
-          <p:nvPr/>
-        </p:nvPicPr>
-        <p:blipFill>
-          <a:blip r:embed="rId5">
-            <a:alphaModFix/>
-          </a:blip>
-          <a:stretch>
-            <a:fillRect/>
-          </a:stretch>
-        </p:blipFill>
-        <p:spPr>
-          <a:xfrm>
-            <a:off x="557375" y="2571750"/>
-            <a:ext cx="3888899" cy="2187500"/>
-          </a:xfrm>
-          <a:prstGeom prst="rect">
-            <a:avLst/>
-          </a:prstGeom>
-          <a:noFill/>
-          <a:ln cap="flat" cmpd="sng" w="28575">
-            <a:solidFill>
-              <a:srgbClr val="FFFFFF"/>
-            </a:solidFill>
-            <a:prstDash val="solid"/>
-            <a:round/>
-            <a:headEnd len="sm" w="sm" type="none"/>
-            <a:tailEnd len="sm" w="sm" type="none"/>
-          </a:ln>
-        </p:spPr>
-      </p:pic>
     </p:spTree>
   </p:cSld>
   <p:clrMapOvr>
     <a:masterClrMapping/>
   </p:clrMapOvr>
-  <mc:AlternateContent>
-    <mc:Choice Requires="p14">
-      <p:transition spd="slow" p14:dur="1000">
-        <p:push dir="r"/>
-      </p:transition>
-    </mc:Choice>
-    <mc:Fallback>
-      <p:transition spd="slow">
-        <p:fade/>
-      </p:transition>
-    </mc:Fallback>
-  </mc:AlternateContent>
 </p:sld>
 </file>
 
-<file path=ppt/slides/slide6.xml><?xml version="1.0" encoding="utf-8"?>
+<file path=ppt/slides/slide5.xml><?xml version="1.0" encoding="utf-8"?>
 <p:sld xmlns:a="http://schemas.openxmlformats.org/drawingml/2006/main" xmlns:r="http://schemas.openxmlformats.org/officeDocument/2006/relationships" xmlns:mc="http://schemas.openxmlformats.org/markup-compatibility/2006" xmlns:mv="urn:schemas-microsoft-com:mac:vml" xmlns:p="http://schemas.openxmlformats.org/presentationml/2006/main" xmlns:c="http://schemas.openxmlformats.org/drawingml/2006/chart" xmlns:dgm="http://schemas.openxmlformats.org/drawingml/2006/diagram" xmlns:o="urn:schemas-microsoft-com:office:office" xmlns:v="urn:schemas-microsoft-com:vml" xmlns:pvml="urn:schemas-microsoft-com:office:powerpoint" xmlns:com="http://schemas.openxmlformats.org/drawingml/2006/compatibility" xmlns:p14="http://schemas.microsoft.com/office/powerpoint/2010/main" xmlns:p15="http://schemas.microsoft.com/office/powerpoint/2012/main">
   <p:cSld>
     <p:spTree>
       <p:nvGrpSpPr>
-        <p:cNvPr id="94" name="Shape 94"/>
+        <p:cNvPr id="83" name="Shape 83"/>
         <p:cNvGrpSpPr/>
         <p:nvPr/>
       </p:nvGrpSpPr>
@@ -7222,7 +6944,7 @@
       </p:grpSpPr>
       <p:sp>
         <p:nvSpPr>
-          <p:cNvPr id="95" name="Google Shape;95;p18"/>
+          <p:cNvPr id="84" name="Google Shape;84;p17"/>
           <p:cNvSpPr txBox="1"/>
           <p:nvPr>
             <p:ph type="title"/>
@@ -7253,69 +6975,23 @@
               <a:buNone/>
             </a:pPr>
             <a:r>
-              <a:t/>
+              <a:rPr lang="es" sz="3000"/>
+              <a:t>¿Por qué T-hub?</a:t>
             </a:r>
-            <a:endParaRPr/>
+            <a:endParaRPr sz="3000"/>
           </a:p>
         </p:txBody>
       </p:sp>
       <p:sp>
         <p:nvSpPr>
-          <p:cNvPr id="96" name="Google Shape;96;p18"/>
+          <p:cNvPr id="85" name="Google Shape;85;p17"/>
           <p:cNvSpPr txBox="1"/>
-          <p:nvPr>
-            <p:ph idx="1" type="body"/>
-          </p:nvPr>
+          <p:nvPr/>
         </p:nvSpPr>
         <p:spPr>
           <a:xfrm>
-            <a:off x="311700" y="1152475"/>
-            <a:ext cx="8520600" cy="3416400"/>
-          </a:xfrm>
-          <a:prstGeom prst="rect">
-            <a:avLst/>
-          </a:prstGeom>
-        </p:spPr>
-        <p:txBody>
-          <a:bodyPr anchorCtr="0" anchor="t" bIns="91425" lIns="91425" spcFirstLastPara="1" rIns="91425" wrap="square" tIns="91425">
-            <a:noAutofit/>
-          </a:bodyPr>
-          <a:lstStyle/>
-          <a:p>
-            <a:pPr indent="0" lvl="0" marL="0" rtl="0" algn="l">
-              <a:spcBef>
-                <a:spcPts val="0"/>
-              </a:spcBef>
-              <a:spcAft>
-                <a:spcPts val="1600"/>
-              </a:spcAft>
-              <a:buNone/>
-            </a:pPr>
-            <a:r>
-              <a:t/>
-            </a:r>
-            <a:endParaRPr/>
-          </a:p>
-        </p:txBody>
-      </p:sp>
-      <p:pic>
-        <p:nvPicPr>
-          <p:cNvPr id="97" name="Google Shape;97;p18"/>
-          <p:cNvPicPr preferRelativeResize="0"/>
-          <p:nvPr/>
-        </p:nvPicPr>
-        <p:blipFill>
-          <a:blip r:embed="rId3">
-            <a:alphaModFix/>
-          </a:blip>
-          <a:stretch>
-            <a:fillRect/>
-          </a:stretch>
-        </p:blipFill>
-        <p:spPr>
-          <a:xfrm>
-            <a:off x="-2" y="-1321173"/>
-            <a:ext cx="9144004" cy="6464662"/>
+            <a:off x="3481275" y="1352550"/>
+            <a:ext cx="1924200" cy="572700"/>
           </a:xfrm>
           <a:prstGeom prst="rect">
             <a:avLst/>
@@ -7325,17 +7001,148 @@
             <a:noFill/>
           </a:ln>
         </p:spPr>
-      </p:pic>
+        <p:txBody>
+          <a:bodyPr anchorCtr="0" anchor="t" bIns="91425" lIns="91425" spcFirstLastPara="1" rIns="91425" wrap="square" tIns="91425">
+            <a:noAutofit/>
+          </a:bodyPr>
+          <a:lstStyle/>
+          <a:p>
+            <a:pPr indent="0" lvl="0" marL="0" rtl="0" algn="l">
+              <a:spcBef>
+                <a:spcPts val="0"/>
+              </a:spcBef>
+              <a:spcAft>
+                <a:spcPts val="0"/>
+              </a:spcAft>
+              <a:buNone/>
+            </a:pPr>
+            <a:r>
+              <a:rPr lang="es" sz="2400"/>
+              <a:t>AGILIDAD</a:t>
+            </a:r>
+            <a:endParaRPr sz="2400"/>
+          </a:p>
+        </p:txBody>
+      </p:sp>
       <p:sp>
         <p:nvSpPr>
-          <p:cNvPr id="98" name="Google Shape;98;p18"/>
+          <p:cNvPr id="86" name="Google Shape;86;p17"/>
+          <p:cNvSpPr txBox="1"/>
+          <p:nvPr/>
+        </p:nvSpPr>
+        <p:spPr>
+          <a:xfrm>
+            <a:off x="3533700" y="2350313"/>
+            <a:ext cx="1533600" cy="572700"/>
+          </a:xfrm>
+          <a:prstGeom prst="rect">
+            <a:avLst/>
+          </a:prstGeom>
+          <a:noFill/>
+          <a:ln>
+            <a:noFill/>
+          </a:ln>
+        </p:spPr>
+        <p:txBody>
+          <a:bodyPr anchorCtr="0" anchor="t" bIns="91425" lIns="91425" spcFirstLastPara="1" rIns="91425" wrap="square" tIns="91425">
+            <a:noAutofit/>
+          </a:bodyPr>
+          <a:lstStyle/>
+          <a:p>
+            <a:pPr indent="0" lvl="0" marL="0" rtl="0" algn="l">
+              <a:spcBef>
+                <a:spcPts val="0"/>
+              </a:spcBef>
+              <a:spcAft>
+                <a:spcPts val="0"/>
+              </a:spcAft>
+              <a:buNone/>
+            </a:pPr>
+            <a:r>
+              <a:rPr lang="es" sz="2400"/>
+              <a:t>CALIDAD</a:t>
+            </a:r>
+            <a:endParaRPr sz="2400"/>
+          </a:p>
+        </p:txBody>
+      </p:sp>
+      <p:sp>
+        <p:nvSpPr>
+          <p:cNvPr id="87" name="Google Shape;87;p17"/>
+          <p:cNvSpPr txBox="1"/>
+          <p:nvPr/>
+        </p:nvSpPr>
+        <p:spPr>
+          <a:xfrm>
+            <a:off x="2809875" y="3348100"/>
+            <a:ext cx="3267000" cy="642900"/>
+          </a:xfrm>
+          <a:prstGeom prst="rect">
+            <a:avLst/>
+          </a:prstGeom>
+          <a:noFill/>
+          <a:ln>
+            <a:noFill/>
+          </a:ln>
+        </p:spPr>
+        <p:txBody>
+          <a:bodyPr anchorCtr="0" anchor="t" bIns="91425" lIns="91425" spcFirstLastPara="1" rIns="91425" wrap="square" tIns="91425">
+            <a:noAutofit/>
+          </a:bodyPr>
+          <a:lstStyle/>
+          <a:p>
+            <a:pPr indent="0" lvl="0" marL="0" rtl="0" algn="l">
+              <a:spcBef>
+                <a:spcPts val="0"/>
+              </a:spcBef>
+              <a:spcAft>
+                <a:spcPts val="0"/>
+              </a:spcAft>
+              <a:buNone/>
+            </a:pPr>
+            <a:r>
+              <a:rPr lang="es" sz="2400"/>
+              <a:t>PERSONALIZACIÓN</a:t>
+            </a:r>
+            <a:endParaRPr sz="2400"/>
+          </a:p>
+        </p:txBody>
+      </p:sp>
+    </p:spTree>
+  </p:cSld>
+  <p:clrMapOvr>
+    <a:masterClrMapping/>
+  </p:clrMapOvr>
+</p:sld>
+</file>
+
+<file path=ppt/slides/slide6.xml><?xml version="1.0" encoding="utf-8"?>
+<p:sld xmlns:a="http://schemas.openxmlformats.org/drawingml/2006/main" xmlns:r="http://schemas.openxmlformats.org/officeDocument/2006/relationships" xmlns:mc="http://schemas.openxmlformats.org/markup-compatibility/2006" xmlns:mv="urn:schemas-microsoft-com:mac:vml" xmlns:p="http://schemas.openxmlformats.org/presentationml/2006/main" xmlns:c="http://schemas.openxmlformats.org/drawingml/2006/chart" xmlns:dgm="http://schemas.openxmlformats.org/drawingml/2006/diagram" xmlns:o="urn:schemas-microsoft-com:office:office" xmlns:v="urn:schemas-microsoft-com:vml" xmlns:pvml="urn:schemas-microsoft-com:office:powerpoint" xmlns:com="http://schemas.openxmlformats.org/drawingml/2006/compatibility" xmlns:p14="http://schemas.microsoft.com/office/powerpoint/2010/main" xmlns:p15="http://schemas.microsoft.com/office/powerpoint/2012/main">
+  <p:cSld>
+    <p:spTree>
+      <p:nvGrpSpPr>
+        <p:cNvPr id="91" name="Shape 91"/>
+        <p:cNvGrpSpPr/>
+        <p:nvPr/>
+      </p:nvGrpSpPr>
+      <p:grpSpPr>
+        <a:xfrm>
+          <a:off x="0" y="0"/>
+          <a:ext cx="0" cy="0"/>
+          <a:chOff x="0" y="0"/>
+          <a:chExt cx="0" cy="0"/>
+        </a:xfrm>
+      </p:grpSpPr>
+      <p:sp>
+        <p:nvSpPr>
+          <p:cNvPr id="92" name="Google Shape;92;p18"/>
           <p:cNvSpPr/>
           <p:nvPr/>
         </p:nvSpPr>
         <p:spPr>
           <a:xfrm>
-            <a:off x="986775" y="112350"/>
-            <a:ext cx="4652100" cy="4652100"/>
+            <a:off x="1158225" y="541950"/>
+            <a:ext cx="4128300" cy="4059600"/>
           </a:xfrm>
           <a:prstGeom prst="ellipse">
             <a:avLst/>
@@ -7377,12 +7184,12 @@
       </p:sp>
       <p:pic>
         <p:nvPicPr>
-          <p:cNvPr id="99" name="Google Shape;99;p18"/>
+          <p:cNvPr id="93" name="Google Shape;93;p18"/>
           <p:cNvPicPr preferRelativeResize="0"/>
           <p:nvPr/>
         </p:nvPicPr>
         <p:blipFill>
-          <a:blip r:embed="rId4">
+          <a:blip r:embed="rId3">
             <a:alphaModFix/>
           </a:blip>
           <a:stretch>
@@ -7391,8 +7198,8 @@
         </p:blipFill>
         <p:spPr>
           <a:xfrm>
-            <a:off x="1334075" y="391050"/>
-            <a:ext cx="3957500" cy="3957500"/>
+            <a:off x="1619575" y="968950"/>
+            <a:ext cx="3205600" cy="3205600"/>
           </a:xfrm>
           <a:prstGeom prst="rect">
             <a:avLst/>
@@ -7405,7 +7212,7 @@
       </p:pic>
       <p:sp>
         <p:nvSpPr>
-          <p:cNvPr id="100" name="Google Shape;100;p18"/>
+          <p:cNvPr id="94" name="Google Shape;94;p18"/>
           <p:cNvSpPr txBox="1"/>
           <p:nvPr/>
         </p:nvSpPr>
@@ -7438,26 +7245,10 @@
               <a:buNone/>
             </a:pPr>
             <a:r>
-              <a:rPr lang="es" sz="4800">
-                <a:solidFill>
-                  <a:srgbClr val="FFFFFF"/>
-                </a:solidFill>
-                <a:latin typeface="Helvetica Neue"/>
-                <a:ea typeface="Helvetica Neue"/>
-                <a:cs typeface="Helvetica Neue"/>
-                <a:sym typeface="Helvetica Neue"/>
-              </a:rPr>
+              <a:rPr lang="es" sz="3000"/>
               <a:t>Dudas</a:t>
             </a:r>
-            <a:endParaRPr sz="4800">
-              <a:solidFill>
-                <a:srgbClr val="FFFFFF"/>
-              </a:solidFill>
-              <a:latin typeface="Helvetica Neue"/>
-              <a:ea typeface="Helvetica Neue"/>
-              <a:cs typeface="Helvetica Neue"/>
-              <a:sym typeface="Helvetica Neue"/>
-            </a:endParaRPr>
+            <a:endParaRPr sz="3000"/>
           </a:p>
         </p:txBody>
       </p:sp>
